--- a/Presentation.pptx
+++ b/Presentation.pptx
@@ -5,20 +5,26 @@
     <p:sldMasterId id="2147483648" r:id="rId1"/>
   </p:sldMasterIdLst>
   <p:notesMasterIdLst>
-    <p:notesMasterId r:id="rId13"/>
+    <p:notesMasterId r:id="rId19"/>
   </p:notesMasterIdLst>
   <p:sldIdLst>
     <p:sldId id="256" r:id="rId2"/>
     <p:sldId id="257" r:id="rId3"/>
-    <p:sldId id="263" r:id="rId4"/>
-    <p:sldId id="258" r:id="rId5"/>
-    <p:sldId id="259" r:id="rId6"/>
-    <p:sldId id="264" r:id="rId7"/>
-    <p:sldId id="260" r:id="rId8"/>
-    <p:sldId id="265" r:id="rId9"/>
-    <p:sldId id="261" r:id="rId10"/>
-    <p:sldId id="262" r:id="rId11"/>
-    <p:sldId id="266" r:id="rId12"/>
+    <p:sldId id="271" r:id="rId4"/>
+    <p:sldId id="272" r:id="rId5"/>
+    <p:sldId id="263" r:id="rId6"/>
+    <p:sldId id="258" r:id="rId7"/>
+    <p:sldId id="259" r:id="rId8"/>
+    <p:sldId id="267" r:id="rId9"/>
+    <p:sldId id="264" r:id="rId10"/>
+    <p:sldId id="260" r:id="rId11"/>
+    <p:sldId id="268" r:id="rId12"/>
+    <p:sldId id="265" r:id="rId13"/>
+    <p:sldId id="261" r:id="rId14"/>
+    <p:sldId id="270" r:id="rId15"/>
+    <p:sldId id="262" r:id="rId16"/>
+    <p:sldId id="269" r:id="rId17"/>
+    <p:sldId id="266" r:id="rId18"/>
   </p:sldIdLst>
   <p:sldSz cx="9144000" cy="6858000" type="screen4x3"/>
   <p:notesSz cx="6858000" cy="9144000"/>
@@ -218,7 +224,7 @@
           <a:p>
             <a:fld id="{97B9F8C9-8683-408D-B13C-426E4CAAE106}" type="datetimeFigureOut">
               <a:rPr lang="ru-RU" smtClean="0"/>
-              <a:t>26.10.2015</a:t>
+              <a:t>27.10.2015</a:t>
             </a:fld>
             <a:endParaRPr lang="ru-RU"/>
           </a:p>
@@ -644,7 +650,7 @@
     </p:spTree>
     <p:extLst>
       <p:ext uri="{BB962C8B-B14F-4D97-AF65-F5344CB8AC3E}">
-        <p14:creationId xmlns:p14="http://schemas.microsoft.com/office/powerpoint/2010/main" val="1387646658"/>
+        <p14:creationId xmlns:p14="http://schemas.microsoft.com/office/powerpoint/2010/main" val="3065524510"/>
       </p:ext>
     </p:extLst>
   </p:cSld>
@@ -720,6 +726,510 @@
             <a:fld id="{84F8D340-E585-4941-B670-7266812E64F9}" type="slidenum">
               <a:rPr lang="ru-RU" smtClean="0"/>
               <a:t>11</a:t>
+            </a:fld>
+            <a:endParaRPr lang="ru-RU"/>
+          </a:p>
+        </p:txBody>
+      </p:sp>
+    </p:spTree>
+    <p:extLst>
+      <p:ext uri="{BB962C8B-B14F-4D97-AF65-F5344CB8AC3E}">
+        <p14:creationId xmlns:p14="http://schemas.microsoft.com/office/powerpoint/2010/main" val="4066757610"/>
+      </p:ext>
+    </p:extLst>
+  </p:cSld>
+  <p:clrMapOvr>
+    <a:masterClrMapping/>
+  </p:clrMapOvr>
+</p:notes>
+</file>
+
+<file path=ppt/notesSlides/notesSlide12.xml><?xml version="1.0" encoding="utf-8"?>
+<p:notes xmlns:a="http://schemas.openxmlformats.org/drawingml/2006/main" xmlns:r="http://schemas.openxmlformats.org/officeDocument/2006/relationships" xmlns:p="http://schemas.openxmlformats.org/presentationml/2006/main">
+  <p:cSld>
+    <p:spTree>
+      <p:nvGrpSpPr>
+        <p:cNvPr id="1" name=""/>
+        <p:cNvGrpSpPr/>
+        <p:nvPr/>
+      </p:nvGrpSpPr>
+      <p:grpSpPr>
+        <a:xfrm>
+          <a:off x="0" y="0"/>
+          <a:ext cx="0" cy="0"/>
+          <a:chOff x="0" y="0"/>
+          <a:chExt cx="0" cy="0"/>
+        </a:xfrm>
+      </p:grpSpPr>
+      <p:sp>
+        <p:nvSpPr>
+          <p:cNvPr id="2" name="Образ слайда 1"/>
+          <p:cNvSpPr>
+            <a:spLocks noGrp="1" noRot="1" noChangeAspect="1"/>
+          </p:cNvSpPr>
+          <p:nvPr>
+            <p:ph type="sldImg"/>
+          </p:nvPr>
+        </p:nvSpPr>
+        <p:spPr/>
+      </p:sp>
+      <p:sp>
+        <p:nvSpPr>
+          <p:cNvPr id="3" name="Заметки 2"/>
+          <p:cNvSpPr>
+            <a:spLocks noGrp="1"/>
+          </p:cNvSpPr>
+          <p:nvPr>
+            <p:ph type="body" idx="1"/>
+          </p:nvPr>
+        </p:nvSpPr>
+        <p:spPr/>
+        <p:txBody>
+          <a:bodyPr/>
+          <a:lstStyle/>
+          <a:p>
+            <a:endParaRPr lang="ru-RU" dirty="0"/>
+          </a:p>
+        </p:txBody>
+      </p:sp>
+      <p:sp>
+        <p:nvSpPr>
+          <p:cNvPr id="4" name="Номер слайда 3"/>
+          <p:cNvSpPr>
+            <a:spLocks noGrp="1"/>
+          </p:cNvSpPr>
+          <p:nvPr>
+            <p:ph type="sldNum" sz="quarter" idx="10"/>
+          </p:nvPr>
+        </p:nvSpPr>
+        <p:spPr/>
+        <p:txBody>
+          <a:bodyPr/>
+          <a:lstStyle/>
+          <a:p>
+            <a:fld id="{84F8D340-E585-4941-B670-7266812E64F9}" type="slidenum">
+              <a:rPr lang="ru-RU" smtClean="0"/>
+              <a:t>12</a:t>
+            </a:fld>
+            <a:endParaRPr lang="ru-RU"/>
+          </a:p>
+        </p:txBody>
+      </p:sp>
+    </p:spTree>
+    <p:extLst>
+      <p:ext uri="{BB962C8B-B14F-4D97-AF65-F5344CB8AC3E}">
+        <p14:creationId xmlns:p14="http://schemas.microsoft.com/office/powerpoint/2010/main" val="2116812615"/>
+      </p:ext>
+    </p:extLst>
+  </p:cSld>
+  <p:clrMapOvr>
+    <a:masterClrMapping/>
+  </p:clrMapOvr>
+</p:notes>
+</file>
+
+<file path=ppt/notesSlides/notesSlide13.xml><?xml version="1.0" encoding="utf-8"?>
+<p:notes xmlns:a="http://schemas.openxmlformats.org/drawingml/2006/main" xmlns:r="http://schemas.openxmlformats.org/officeDocument/2006/relationships" xmlns:p="http://schemas.openxmlformats.org/presentationml/2006/main">
+  <p:cSld>
+    <p:spTree>
+      <p:nvGrpSpPr>
+        <p:cNvPr id="1" name=""/>
+        <p:cNvGrpSpPr/>
+        <p:nvPr/>
+      </p:nvGrpSpPr>
+      <p:grpSpPr>
+        <a:xfrm>
+          <a:off x="0" y="0"/>
+          <a:ext cx="0" cy="0"/>
+          <a:chOff x="0" y="0"/>
+          <a:chExt cx="0" cy="0"/>
+        </a:xfrm>
+      </p:grpSpPr>
+      <p:sp>
+        <p:nvSpPr>
+          <p:cNvPr id="2" name="Образ слайда 1"/>
+          <p:cNvSpPr>
+            <a:spLocks noGrp="1" noRot="1" noChangeAspect="1"/>
+          </p:cNvSpPr>
+          <p:nvPr>
+            <p:ph type="sldImg"/>
+          </p:nvPr>
+        </p:nvSpPr>
+        <p:spPr/>
+      </p:sp>
+      <p:sp>
+        <p:nvSpPr>
+          <p:cNvPr id="3" name="Заметки 2"/>
+          <p:cNvSpPr>
+            <a:spLocks noGrp="1"/>
+          </p:cNvSpPr>
+          <p:nvPr>
+            <p:ph type="body" idx="1"/>
+          </p:nvPr>
+        </p:nvSpPr>
+        <p:spPr/>
+        <p:txBody>
+          <a:bodyPr/>
+          <a:lstStyle/>
+          <a:p>
+            <a:endParaRPr lang="ru-RU" dirty="0"/>
+          </a:p>
+        </p:txBody>
+      </p:sp>
+      <p:sp>
+        <p:nvSpPr>
+          <p:cNvPr id="4" name="Номер слайда 3"/>
+          <p:cNvSpPr>
+            <a:spLocks noGrp="1"/>
+          </p:cNvSpPr>
+          <p:nvPr>
+            <p:ph type="sldNum" sz="quarter" idx="10"/>
+          </p:nvPr>
+        </p:nvSpPr>
+        <p:spPr/>
+        <p:txBody>
+          <a:bodyPr/>
+          <a:lstStyle/>
+          <a:p>
+            <a:fld id="{84F8D340-E585-4941-B670-7266812E64F9}" type="slidenum">
+              <a:rPr lang="ru-RU" smtClean="0"/>
+              <a:t>13</a:t>
+            </a:fld>
+            <a:endParaRPr lang="ru-RU"/>
+          </a:p>
+        </p:txBody>
+      </p:sp>
+    </p:spTree>
+    <p:extLst>
+      <p:ext uri="{BB962C8B-B14F-4D97-AF65-F5344CB8AC3E}">
+        <p14:creationId xmlns:p14="http://schemas.microsoft.com/office/powerpoint/2010/main" val="4020848824"/>
+      </p:ext>
+    </p:extLst>
+  </p:cSld>
+  <p:clrMapOvr>
+    <a:masterClrMapping/>
+  </p:clrMapOvr>
+</p:notes>
+</file>
+
+<file path=ppt/notesSlides/notesSlide14.xml><?xml version="1.0" encoding="utf-8"?>
+<p:notes xmlns:a="http://schemas.openxmlformats.org/drawingml/2006/main" xmlns:r="http://schemas.openxmlformats.org/officeDocument/2006/relationships" xmlns:p="http://schemas.openxmlformats.org/presentationml/2006/main">
+  <p:cSld>
+    <p:spTree>
+      <p:nvGrpSpPr>
+        <p:cNvPr id="1" name=""/>
+        <p:cNvGrpSpPr/>
+        <p:nvPr/>
+      </p:nvGrpSpPr>
+      <p:grpSpPr>
+        <a:xfrm>
+          <a:off x="0" y="0"/>
+          <a:ext cx="0" cy="0"/>
+          <a:chOff x="0" y="0"/>
+          <a:chExt cx="0" cy="0"/>
+        </a:xfrm>
+      </p:grpSpPr>
+      <p:sp>
+        <p:nvSpPr>
+          <p:cNvPr id="2" name="Образ слайда 1"/>
+          <p:cNvSpPr>
+            <a:spLocks noGrp="1" noRot="1" noChangeAspect="1"/>
+          </p:cNvSpPr>
+          <p:nvPr>
+            <p:ph type="sldImg"/>
+          </p:nvPr>
+        </p:nvSpPr>
+        <p:spPr/>
+      </p:sp>
+      <p:sp>
+        <p:nvSpPr>
+          <p:cNvPr id="3" name="Заметки 2"/>
+          <p:cNvSpPr>
+            <a:spLocks noGrp="1"/>
+          </p:cNvSpPr>
+          <p:nvPr>
+            <p:ph type="body" idx="1"/>
+          </p:nvPr>
+        </p:nvSpPr>
+        <p:spPr/>
+        <p:txBody>
+          <a:bodyPr/>
+          <a:lstStyle/>
+          <a:p>
+            <a:endParaRPr lang="ru-RU" dirty="0"/>
+          </a:p>
+        </p:txBody>
+      </p:sp>
+      <p:sp>
+        <p:nvSpPr>
+          <p:cNvPr id="4" name="Номер слайда 3"/>
+          <p:cNvSpPr>
+            <a:spLocks noGrp="1"/>
+          </p:cNvSpPr>
+          <p:nvPr>
+            <p:ph type="sldNum" sz="quarter" idx="10"/>
+          </p:nvPr>
+        </p:nvSpPr>
+        <p:spPr/>
+        <p:txBody>
+          <a:bodyPr/>
+          <a:lstStyle/>
+          <a:p>
+            <a:fld id="{84F8D340-E585-4941-B670-7266812E64F9}" type="slidenum">
+              <a:rPr lang="ru-RU" smtClean="0"/>
+              <a:t>14</a:t>
+            </a:fld>
+            <a:endParaRPr lang="ru-RU"/>
+          </a:p>
+        </p:txBody>
+      </p:sp>
+    </p:spTree>
+    <p:extLst>
+      <p:ext uri="{BB962C8B-B14F-4D97-AF65-F5344CB8AC3E}">
+        <p14:creationId xmlns:p14="http://schemas.microsoft.com/office/powerpoint/2010/main" val="2306658766"/>
+      </p:ext>
+    </p:extLst>
+  </p:cSld>
+  <p:clrMapOvr>
+    <a:masterClrMapping/>
+  </p:clrMapOvr>
+</p:notes>
+</file>
+
+<file path=ppt/notesSlides/notesSlide15.xml><?xml version="1.0" encoding="utf-8"?>
+<p:notes xmlns:a="http://schemas.openxmlformats.org/drawingml/2006/main" xmlns:r="http://schemas.openxmlformats.org/officeDocument/2006/relationships" xmlns:p="http://schemas.openxmlformats.org/presentationml/2006/main">
+  <p:cSld>
+    <p:spTree>
+      <p:nvGrpSpPr>
+        <p:cNvPr id="1" name=""/>
+        <p:cNvGrpSpPr/>
+        <p:nvPr/>
+      </p:nvGrpSpPr>
+      <p:grpSpPr>
+        <a:xfrm>
+          <a:off x="0" y="0"/>
+          <a:ext cx="0" cy="0"/>
+          <a:chOff x="0" y="0"/>
+          <a:chExt cx="0" cy="0"/>
+        </a:xfrm>
+      </p:grpSpPr>
+      <p:sp>
+        <p:nvSpPr>
+          <p:cNvPr id="2" name="Образ слайда 1"/>
+          <p:cNvSpPr>
+            <a:spLocks noGrp="1" noRot="1" noChangeAspect="1"/>
+          </p:cNvSpPr>
+          <p:nvPr>
+            <p:ph type="sldImg"/>
+          </p:nvPr>
+        </p:nvSpPr>
+        <p:spPr/>
+      </p:sp>
+      <p:sp>
+        <p:nvSpPr>
+          <p:cNvPr id="3" name="Заметки 2"/>
+          <p:cNvSpPr>
+            <a:spLocks noGrp="1"/>
+          </p:cNvSpPr>
+          <p:nvPr>
+            <p:ph type="body" idx="1"/>
+          </p:nvPr>
+        </p:nvSpPr>
+        <p:spPr/>
+        <p:txBody>
+          <a:bodyPr/>
+          <a:lstStyle/>
+          <a:p>
+            <a:endParaRPr lang="ru-RU" dirty="0"/>
+          </a:p>
+        </p:txBody>
+      </p:sp>
+      <p:sp>
+        <p:nvSpPr>
+          <p:cNvPr id="4" name="Номер слайда 3"/>
+          <p:cNvSpPr>
+            <a:spLocks noGrp="1"/>
+          </p:cNvSpPr>
+          <p:nvPr>
+            <p:ph type="sldNum" sz="quarter" idx="10"/>
+          </p:nvPr>
+        </p:nvSpPr>
+        <p:spPr/>
+        <p:txBody>
+          <a:bodyPr/>
+          <a:lstStyle/>
+          <a:p>
+            <a:fld id="{84F8D340-E585-4941-B670-7266812E64F9}" type="slidenum">
+              <a:rPr lang="ru-RU" smtClean="0"/>
+              <a:t>15</a:t>
+            </a:fld>
+            <a:endParaRPr lang="ru-RU"/>
+          </a:p>
+        </p:txBody>
+      </p:sp>
+    </p:spTree>
+    <p:extLst>
+      <p:ext uri="{BB962C8B-B14F-4D97-AF65-F5344CB8AC3E}">
+        <p14:creationId xmlns:p14="http://schemas.microsoft.com/office/powerpoint/2010/main" val="1387646658"/>
+      </p:ext>
+    </p:extLst>
+  </p:cSld>
+  <p:clrMapOvr>
+    <a:masterClrMapping/>
+  </p:clrMapOvr>
+</p:notes>
+</file>
+
+<file path=ppt/notesSlides/notesSlide16.xml><?xml version="1.0" encoding="utf-8"?>
+<p:notes xmlns:a="http://schemas.openxmlformats.org/drawingml/2006/main" xmlns:r="http://schemas.openxmlformats.org/officeDocument/2006/relationships" xmlns:p="http://schemas.openxmlformats.org/presentationml/2006/main">
+  <p:cSld>
+    <p:spTree>
+      <p:nvGrpSpPr>
+        <p:cNvPr id="1" name=""/>
+        <p:cNvGrpSpPr/>
+        <p:nvPr/>
+      </p:nvGrpSpPr>
+      <p:grpSpPr>
+        <a:xfrm>
+          <a:off x="0" y="0"/>
+          <a:ext cx="0" cy="0"/>
+          <a:chOff x="0" y="0"/>
+          <a:chExt cx="0" cy="0"/>
+        </a:xfrm>
+      </p:grpSpPr>
+      <p:sp>
+        <p:nvSpPr>
+          <p:cNvPr id="2" name="Образ слайда 1"/>
+          <p:cNvSpPr>
+            <a:spLocks noGrp="1" noRot="1" noChangeAspect="1"/>
+          </p:cNvSpPr>
+          <p:nvPr>
+            <p:ph type="sldImg"/>
+          </p:nvPr>
+        </p:nvSpPr>
+        <p:spPr/>
+      </p:sp>
+      <p:sp>
+        <p:nvSpPr>
+          <p:cNvPr id="3" name="Заметки 2"/>
+          <p:cNvSpPr>
+            <a:spLocks noGrp="1"/>
+          </p:cNvSpPr>
+          <p:nvPr>
+            <p:ph type="body" idx="1"/>
+          </p:nvPr>
+        </p:nvSpPr>
+        <p:spPr/>
+        <p:txBody>
+          <a:bodyPr/>
+          <a:lstStyle/>
+          <a:p>
+            <a:endParaRPr lang="ru-RU" dirty="0"/>
+          </a:p>
+        </p:txBody>
+      </p:sp>
+      <p:sp>
+        <p:nvSpPr>
+          <p:cNvPr id="4" name="Номер слайда 3"/>
+          <p:cNvSpPr>
+            <a:spLocks noGrp="1"/>
+          </p:cNvSpPr>
+          <p:nvPr>
+            <p:ph type="sldNum" sz="quarter" idx="10"/>
+          </p:nvPr>
+        </p:nvSpPr>
+        <p:spPr/>
+        <p:txBody>
+          <a:bodyPr/>
+          <a:lstStyle/>
+          <a:p>
+            <a:fld id="{84F8D340-E585-4941-B670-7266812E64F9}" type="slidenum">
+              <a:rPr lang="ru-RU" smtClean="0"/>
+              <a:t>16</a:t>
+            </a:fld>
+            <a:endParaRPr lang="ru-RU"/>
+          </a:p>
+        </p:txBody>
+      </p:sp>
+    </p:spTree>
+    <p:extLst>
+      <p:ext uri="{BB962C8B-B14F-4D97-AF65-F5344CB8AC3E}">
+        <p14:creationId xmlns:p14="http://schemas.microsoft.com/office/powerpoint/2010/main" val="1601745090"/>
+      </p:ext>
+    </p:extLst>
+  </p:cSld>
+  <p:clrMapOvr>
+    <a:masterClrMapping/>
+  </p:clrMapOvr>
+</p:notes>
+</file>
+
+<file path=ppt/notesSlides/notesSlide17.xml><?xml version="1.0" encoding="utf-8"?>
+<p:notes xmlns:a="http://schemas.openxmlformats.org/drawingml/2006/main" xmlns:r="http://schemas.openxmlformats.org/officeDocument/2006/relationships" xmlns:p="http://schemas.openxmlformats.org/presentationml/2006/main">
+  <p:cSld>
+    <p:spTree>
+      <p:nvGrpSpPr>
+        <p:cNvPr id="1" name=""/>
+        <p:cNvGrpSpPr/>
+        <p:nvPr/>
+      </p:nvGrpSpPr>
+      <p:grpSpPr>
+        <a:xfrm>
+          <a:off x="0" y="0"/>
+          <a:ext cx="0" cy="0"/>
+          <a:chOff x="0" y="0"/>
+          <a:chExt cx="0" cy="0"/>
+        </a:xfrm>
+      </p:grpSpPr>
+      <p:sp>
+        <p:nvSpPr>
+          <p:cNvPr id="2" name="Образ слайда 1"/>
+          <p:cNvSpPr>
+            <a:spLocks noGrp="1" noRot="1" noChangeAspect="1"/>
+          </p:cNvSpPr>
+          <p:nvPr>
+            <p:ph type="sldImg"/>
+          </p:nvPr>
+        </p:nvSpPr>
+        <p:spPr/>
+      </p:sp>
+      <p:sp>
+        <p:nvSpPr>
+          <p:cNvPr id="3" name="Заметки 2"/>
+          <p:cNvSpPr>
+            <a:spLocks noGrp="1"/>
+          </p:cNvSpPr>
+          <p:nvPr>
+            <p:ph type="body" idx="1"/>
+          </p:nvPr>
+        </p:nvSpPr>
+        <p:spPr/>
+        <p:txBody>
+          <a:bodyPr/>
+          <a:lstStyle/>
+          <a:p>
+            <a:endParaRPr lang="ru-RU" dirty="0"/>
+          </a:p>
+        </p:txBody>
+      </p:sp>
+      <p:sp>
+        <p:nvSpPr>
+          <p:cNvPr id="4" name="Номер слайда 3"/>
+          <p:cNvSpPr>
+            <a:spLocks noGrp="1"/>
+          </p:cNvSpPr>
+          <p:nvPr>
+            <p:ph type="sldNum" sz="quarter" idx="10"/>
+          </p:nvPr>
+        </p:nvSpPr>
+        <p:spPr/>
+        <p:txBody>
+          <a:bodyPr/>
+          <a:lstStyle/>
+          <a:p>
+            <a:fld id="{84F8D340-E585-4941-B670-7266812E64F9}" type="slidenum">
+              <a:rPr lang="ru-RU" smtClean="0"/>
+              <a:t>17</a:t>
             </a:fld>
             <a:endParaRPr lang="ru-RU"/>
           </a:p>
@@ -866,7 +1376,7 @@
           <a:bodyPr/>
           <a:lstStyle/>
           <a:p>
-            <a:endParaRPr lang="ru-RU" dirty="0"/>
+            <a:endParaRPr lang="ru-RU"/>
           </a:p>
         </p:txBody>
       </p:sp>
@@ -896,7 +1406,7 @@
     </p:spTree>
     <p:extLst>
       <p:ext uri="{BB962C8B-B14F-4D97-AF65-F5344CB8AC3E}">
-        <p14:creationId xmlns:p14="http://schemas.microsoft.com/office/powerpoint/2010/main" val="2839693937"/>
+        <p14:creationId xmlns:p14="http://schemas.microsoft.com/office/powerpoint/2010/main" val="3976500990"/>
       </p:ext>
     </p:extLst>
   </p:cSld>
@@ -950,7 +1460,7 @@
           <a:bodyPr/>
           <a:lstStyle/>
           <a:p>
-            <a:endParaRPr lang="ru-RU" dirty="0"/>
+            <a:endParaRPr lang="ru-RU"/>
           </a:p>
         </p:txBody>
       </p:sp>
@@ -980,7 +1490,7 @@
     </p:spTree>
     <p:extLst>
       <p:ext uri="{BB962C8B-B14F-4D97-AF65-F5344CB8AC3E}">
-        <p14:creationId xmlns:p14="http://schemas.microsoft.com/office/powerpoint/2010/main" val="3501425805"/>
+        <p14:creationId xmlns:p14="http://schemas.microsoft.com/office/powerpoint/2010/main" val="2598756747"/>
       </p:ext>
     </p:extLst>
   </p:cSld>
@@ -1064,7 +1574,7 @@
     </p:spTree>
     <p:extLst>
       <p:ext uri="{BB962C8B-B14F-4D97-AF65-F5344CB8AC3E}">
-        <p14:creationId xmlns:p14="http://schemas.microsoft.com/office/powerpoint/2010/main" val="777869193"/>
+        <p14:creationId xmlns:p14="http://schemas.microsoft.com/office/powerpoint/2010/main" val="2839693937"/>
       </p:ext>
     </p:extLst>
   </p:cSld>
@@ -1148,7 +1658,7 @@
     </p:spTree>
     <p:extLst>
       <p:ext uri="{BB962C8B-B14F-4D97-AF65-F5344CB8AC3E}">
-        <p14:creationId xmlns:p14="http://schemas.microsoft.com/office/powerpoint/2010/main" val="4222929567"/>
+        <p14:creationId xmlns:p14="http://schemas.microsoft.com/office/powerpoint/2010/main" val="3501425805"/>
       </p:ext>
     </p:extLst>
   </p:cSld>
@@ -1232,7 +1742,7 @@
     </p:spTree>
     <p:extLst>
       <p:ext uri="{BB962C8B-B14F-4D97-AF65-F5344CB8AC3E}">
-        <p14:creationId xmlns:p14="http://schemas.microsoft.com/office/powerpoint/2010/main" val="3065524510"/>
+        <p14:creationId xmlns:p14="http://schemas.microsoft.com/office/powerpoint/2010/main" val="777869193"/>
       </p:ext>
     </p:extLst>
   </p:cSld>
@@ -1316,7 +1826,7 @@
     </p:spTree>
     <p:extLst>
       <p:ext uri="{BB962C8B-B14F-4D97-AF65-F5344CB8AC3E}">
-        <p14:creationId xmlns:p14="http://schemas.microsoft.com/office/powerpoint/2010/main" val="2116812615"/>
+        <p14:creationId xmlns:p14="http://schemas.microsoft.com/office/powerpoint/2010/main" val="3296154909"/>
       </p:ext>
     </p:extLst>
   </p:cSld>
@@ -1400,7 +1910,7 @@
     </p:spTree>
     <p:extLst>
       <p:ext uri="{BB962C8B-B14F-4D97-AF65-F5344CB8AC3E}">
-        <p14:creationId xmlns:p14="http://schemas.microsoft.com/office/powerpoint/2010/main" val="4020848824"/>
+        <p14:creationId xmlns:p14="http://schemas.microsoft.com/office/powerpoint/2010/main" val="4222929567"/>
       </p:ext>
     </p:extLst>
   </p:cSld>
@@ -1591,7 +2101,7 @@
           <a:p>
             <a:fld id="{92300368-1CBE-47F3-823E-846C7CB48094}" type="datetime1">
               <a:rPr lang="ru-RU" smtClean="0"/>
-              <a:t>26.10.2015</a:t>
+              <a:t>27.10.2015</a:t>
             </a:fld>
             <a:endParaRPr lang="ru-RU"/>
           </a:p>
@@ -1761,7 +2271,7 @@
           <a:p>
             <a:fld id="{19CF3B77-A459-47DF-8D2F-EE409001C6EB}" type="datetime1">
               <a:rPr lang="ru-RU" smtClean="0"/>
-              <a:t>26.10.2015</a:t>
+              <a:t>27.10.2015</a:t>
             </a:fld>
             <a:endParaRPr lang="ru-RU"/>
           </a:p>
@@ -1941,7 +2451,7 @@
           <a:p>
             <a:fld id="{96FC504F-C86B-4452-BC93-8C6B02FC4E14}" type="datetime1">
               <a:rPr lang="ru-RU" smtClean="0"/>
-              <a:t>26.10.2015</a:t>
+              <a:t>27.10.2015</a:t>
             </a:fld>
             <a:endParaRPr lang="ru-RU"/>
           </a:p>
@@ -2111,7 +2621,7 @@
           <a:p>
             <a:fld id="{5213B380-0B5C-4876-9A8C-41BCDE734BBB}" type="datetime1">
               <a:rPr lang="ru-RU" smtClean="0"/>
-              <a:t>26.10.2015</a:t>
+              <a:t>27.10.2015</a:t>
             </a:fld>
             <a:endParaRPr lang="ru-RU"/>
           </a:p>
@@ -2357,7 +2867,7 @@
           <a:p>
             <a:fld id="{3F59A3E7-AF4C-4CF6-AE45-5B8C6753E0BD}" type="datetime1">
               <a:rPr lang="ru-RU" smtClean="0"/>
-              <a:t>26.10.2015</a:t>
+              <a:t>27.10.2015</a:t>
             </a:fld>
             <a:endParaRPr lang="ru-RU"/>
           </a:p>
@@ -2645,7 +3155,7 @@
           <a:p>
             <a:fld id="{85D0DC57-2712-4E70-832E-70534943F074}" type="datetime1">
               <a:rPr lang="ru-RU" smtClean="0"/>
-              <a:t>26.10.2015</a:t>
+              <a:t>27.10.2015</a:t>
             </a:fld>
             <a:endParaRPr lang="ru-RU"/>
           </a:p>
@@ -3067,7 +3577,7 @@
           <a:p>
             <a:fld id="{836ADA72-2B51-4C66-9851-A7CA58E5EAB3}" type="datetime1">
               <a:rPr lang="ru-RU" smtClean="0"/>
-              <a:t>26.10.2015</a:t>
+              <a:t>27.10.2015</a:t>
             </a:fld>
             <a:endParaRPr lang="ru-RU"/>
           </a:p>
@@ -3185,7 +3695,7 @@
           <a:p>
             <a:fld id="{FCE17625-463B-4F21-B32E-CBD86DBBA704}" type="datetime1">
               <a:rPr lang="ru-RU" smtClean="0"/>
-              <a:t>26.10.2015</a:t>
+              <a:t>27.10.2015</a:t>
             </a:fld>
             <a:endParaRPr lang="ru-RU"/>
           </a:p>
@@ -3280,7 +3790,7 @@
           <a:p>
             <a:fld id="{6867AA51-3070-439F-B50D-B8F4AFF09CCC}" type="datetime1">
               <a:rPr lang="ru-RU" smtClean="0"/>
-              <a:t>26.10.2015</a:t>
+              <a:t>27.10.2015</a:t>
             </a:fld>
             <a:endParaRPr lang="ru-RU"/>
           </a:p>
@@ -3557,7 +4067,7 @@
           <a:p>
             <a:fld id="{EA778684-C29E-4958-8B00-7387EEF3E17A}" type="datetime1">
               <a:rPr lang="ru-RU" smtClean="0"/>
-              <a:t>26.10.2015</a:t>
+              <a:t>27.10.2015</a:t>
             </a:fld>
             <a:endParaRPr lang="ru-RU"/>
           </a:p>
@@ -3810,7 +4320,7 @@
           <a:p>
             <a:fld id="{B71D96E1-2EF6-4FA5-AD5E-3388A80C0C94}" type="datetime1">
               <a:rPr lang="ru-RU" smtClean="0"/>
-              <a:t>26.10.2015</a:t>
+              <a:t>27.10.2015</a:t>
             </a:fld>
             <a:endParaRPr lang="ru-RU"/>
           </a:p>
@@ -4026,7 +4536,7 @@
           <a:p>
             <a:fld id="{A0E97B30-32CE-45B7-9ABE-935AB8DCE11E}" type="datetime1">
               <a:rPr lang="ru-RU" smtClean="0"/>
-              <a:t>26.10.2015</a:t>
+              <a:t>27.10.2015</a:t>
             </a:fld>
             <a:endParaRPr lang="ru-RU"/>
           </a:p>
@@ -4549,8 +5059,8 @@
         </p:nvSpPr>
         <p:spPr>
           <a:xfrm>
-            <a:off x="685800" y="1"/>
-            <a:ext cx="7772400" cy="548680"/>
+            <a:off x="685800" y="1421"/>
+            <a:ext cx="7772400" cy="547260"/>
           </a:xfrm>
         </p:spPr>
         <p:txBody>
@@ -4566,7 +5076,7 @@
                 </a:solidFill>
                 <a:latin typeface="Lucida Console" panose="020B0609040504020204" pitchFamily="49" charset="0"/>
               </a:rPr>
-              <a:t>«УМНАЯ» ССЫЛКА</a:t>
+              <a:t>ВИРТУАЛЬНЫЙ ЗАМЕСТИТЕЛЬ</a:t>
             </a:r>
             <a:endParaRPr lang="ru-RU" b="1" dirty="0">
               <a:solidFill>
@@ -4590,176 +5100,38 @@
         <p:spPr>
           <a:xfrm>
             <a:off x="971600" y="1268760"/>
-            <a:ext cx="6912768" cy="2880320"/>
+            <a:ext cx="6768752" cy="720080"/>
           </a:xfrm>
         </p:spPr>
         <p:txBody>
           <a:bodyPr>
-            <a:normAutofit/>
+            <a:noAutofit/>
           </a:bodyPr>
           <a:lstStyle/>
           <a:p>
             <a:pPr algn="l"/>
             <a:r>
-              <a:rPr lang="ru-RU" sz="2500" dirty="0" smtClean="0">
+              <a:rPr lang="ru-RU" sz="3000" dirty="0" smtClean="0">
                 <a:solidFill>
                   <a:srgbClr val="0088CC"/>
                 </a:solidFill>
                 <a:latin typeface="Lucida Console" panose="020B0609040504020204" pitchFamily="49" charset="0"/>
               </a:rPr>
-              <a:t>Это замена обычного указателя.</a:t>
-            </a:r>
-          </a:p>
-          <a:p>
-            <a:pPr algn="l"/>
-            <a:r>
-              <a:rPr lang="ru-RU" sz="2500" dirty="0" smtClean="0">
-                <a:solidFill>
-                  <a:srgbClr val="0088CC"/>
-                </a:solidFill>
-                <a:latin typeface="Lucida Console" panose="020B0609040504020204" pitchFamily="49" charset="0"/>
-              </a:rPr>
-              <a:t>Используется для</a:t>
-            </a:r>
-            <a:r>
-              <a:rPr lang="en-US" sz="2500" dirty="0" smtClean="0">
-                <a:solidFill>
-                  <a:srgbClr val="0088CC"/>
-                </a:solidFill>
-                <a:latin typeface="Lucida Console" panose="020B0609040504020204" pitchFamily="49" charset="0"/>
-              </a:rPr>
-              <a:t>:</a:t>
-            </a:r>
-            <a:endParaRPr lang="ru-RU" sz="2500" dirty="0" smtClean="0">
+              <a:t>Создает «тяжелые» объекты по требованию</a:t>
+            </a:r>
+            <a:endParaRPr lang="ru-RU" sz="3000" dirty="0">
               <a:solidFill>
                 <a:srgbClr val="0088CC"/>
               </a:solidFill>
               <a:latin typeface="Lucida Console" panose="020B0609040504020204" pitchFamily="49" charset="0"/>
             </a:endParaRPr>
           </a:p>
-          <a:p>
-            <a:pPr marL="457200" indent="-457200" algn="l">
-              <a:buFontTx/>
-              <a:buChar char="-"/>
-            </a:pPr>
-            <a:r>
-              <a:rPr lang="ru-RU" sz="2500" dirty="0">
-                <a:solidFill>
-                  <a:srgbClr val="0088CC"/>
-                </a:solidFill>
-                <a:latin typeface="Lucida Console" panose="020B0609040504020204" pitchFamily="49" charset="0"/>
-              </a:rPr>
-              <a:t>п</a:t>
-            </a:r>
-            <a:r>
-              <a:rPr lang="ru-RU" sz="2500" dirty="0" smtClean="0">
-                <a:solidFill>
-                  <a:srgbClr val="0088CC"/>
-                </a:solidFill>
-                <a:latin typeface="Lucida Console" panose="020B0609040504020204" pitchFamily="49" charset="0"/>
-              </a:rPr>
-              <a:t>одсчет числа ссылок на реальный объект</a:t>
-            </a:r>
-            <a:r>
-              <a:rPr lang="en-US" sz="2500" dirty="0" smtClean="0">
-                <a:solidFill>
-                  <a:srgbClr val="0088CC"/>
-                </a:solidFill>
-                <a:latin typeface="Lucida Console" panose="020B0609040504020204" pitchFamily="49" charset="0"/>
-              </a:rPr>
-              <a:t>;</a:t>
-            </a:r>
-            <a:endParaRPr lang="ru-RU" sz="2500" dirty="0" smtClean="0">
-              <a:solidFill>
-                <a:srgbClr val="0088CC"/>
-              </a:solidFill>
-              <a:latin typeface="Lucida Console" panose="020B0609040504020204" pitchFamily="49" charset="0"/>
-            </a:endParaRPr>
-          </a:p>
-          <a:p>
-            <a:pPr marL="457200" indent="-457200" algn="l">
-              <a:buFontTx/>
-              <a:buChar char="-"/>
-            </a:pPr>
-            <a:r>
-              <a:rPr lang="ru-RU" sz="2500" dirty="0">
-                <a:solidFill>
-                  <a:srgbClr val="0088CC"/>
-                </a:solidFill>
-                <a:latin typeface="Lucida Console" panose="020B0609040504020204" pitchFamily="49" charset="0"/>
-              </a:rPr>
-              <a:t>з</a:t>
-            </a:r>
-            <a:r>
-              <a:rPr lang="ru-RU" sz="2500" dirty="0" smtClean="0">
-                <a:solidFill>
-                  <a:srgbClr val="0088CC"/>
-                </a:solidFill>
-                <a:latin typeface="Lucida Console" panose="020B0609040504020204" pitchFamily="49" charset="0"/>
-              </a:rPr>
-              <a:t>агрузка объекта в память</a:t>
-            </a:r>
-            <a:r>
-              <a:rPr lang="en-US" sz="2500" dirty="0" smtClean="0">
-                <a:solidFill>
-                  <a:srgbClr val="0088CC"/>
-                </a:solidFill>
-                <a:latin typeface="Lucida Console" panose="020B0609040504020204" pitchFamily="49" charset="0"/>
-              </a:rPr>
-              <a:t>;</a:t>
-            </a:r>
-            <a:endParaRPr lang="ru-RU" sz="2500" dirty="0" smtClean="0">
-              <a:solidFill>
-                <a:srgbClr val="0088CC"/>
-              </a:solidFill>
-              <a:latin typeface="Lucida Console" panose="020B0609040504020204" pitchFamily="49" charset="0"/>
-            </a:endParaRPr>
-          </a:p>
-          <a:p>
-            <a:pPr marL="457200" indent="-457200" algn="l">
-              <a:buFontTx/>
-              <a:buChar char="-"/>
-            </a:pPr>
-            <a:r>
-              <a:rPr lang="ru-RU" sz="2500" dirty="0">
-                <a:solidFill>
-                  <a:srgbClr val="0088CC"/>
-                </a:solidFill>
-                <a:latin typeface="Lucida Console" panose="020B0609040504020204" pitchFamily="49" charset="0"/>
-              </a:rPr>
-              <a:t>п</a:t>
-            </a:r>
-            <a:r>
-              <a:rPr lang="ru-RU" sz="2500" dirty="0" smtClean="0">
-                <a:solidFill>
-                  <a:srgbClr val="0088CC"/>
-                </a:solidFill>
-                <a:latin typeface="Lucida Console" panose="020B0609040504020204" pitchFamily="49" charset="0"/>
-              </a:rPr>
-              <a:t>роверку и установку блокировки</a:t>
-            </a:r>
-            <a:r>
-              <a:rPr lang="en-US" sz="2500" dirty="0" smtClean="0">
-                <a:solidFill>
-                  <a:srgbClr val="0088CC"/>
-                </a:solidFill>
-                <a:latin typeface="Lucida Console" panose="020B0609040504020204" pitchFamily="49" charset="0"/>
-              </a:rPr>
-              <a:t>.</a:t>
-            </a:r>
-            <a:endParaRPr lang="ru-RU" sz="2500" dirty="0">
-              <a:solidFill>
-                <a:srgbClr val="0088CC"/>
-              </a:solidFill>
-              <a:latin typeface="Lucida Console" panose="020B0609040504020204" pitchFamily="49" charset="0"/>
-            </a:endParaRPr>
-          </a:p>
         </p:txBody>
       </p:sp>
     </p:spTree>
     <p:extLst>
       <p:ext uri="{BB962C8B-B14F-4D97-AF65-F5344CB8AC3E}">
-        <p14:creationId xmlns:p14="http://schemas.microsoft.com/office/powerpoint/2010/main" val="1771590083"/>
+        <p14:creationId xmlns:p14="http://schemas.microsoft.com/office/powerpoint/2010/main" val="949163517"/>
       </p:ext>
     </p:extLst>
   </p:cSld>
@@ -4805,6 +5177,926 @@
         </p:nvSpPr>
         <p:spPr>
           <a:xfrm>
+            <a:off x="685800" y="1421"/>
+            <a:ext cx="7772400" cy="547260"/>
+          </a:xfrm>
+        </p:spPr>
+        <p:txBody>
+          <a:bodyPr>
+            <a:normAutofit fontScale="90000"/>
+          </a:bodyPr>
+          <a:lstStyle/>
+          <a:p>
+            <a:r>
+              <a:rPr lang="ru-RU" b="1" dirty="0" smtClean="0">
+                <a:solidFill>
+                  <a:srgbClr val="0088CC"/>
+                </a:solidFill>
+                <a:latin typeface="Lucida Console" panose="020B0609040504020204" pitchFamily="49" charset="0"/>
+              </a:rPr>
+              <a:t>ЗАДАЧИ</a:t>
+            </a:r>
+            <a:endParaRPr lang="ru-RU" b="1" dirty="0">
+              <a:solidFill>
+                <a:srgbClr val="0088CC"/>
+              </a:solidFill>
+              <a:latin typeface="Lucida Console" panose="020B0609040504020204" pitchFamily="49" charset="0"/>
+            </a:endParaRPr>
+          </a:p>
+        </p:txBody>
+      </p:sp>
+      <p:sp>
+        <p:nvSpPr>
+          <p:cNvPr id="3" name="Подзаголовок 2"/>
+          <p:cNvSpPr>
+            <a:spLocks noGrp="1"/>
+          </p:cNvSpPr>
+          <p:nvPr>
+            <p:ph type="subTitle" idx="1"/>
+          </p:nvPr>
+        </p:nvSpPr>
+        <p:spPr>
+          <a:xfrm>
+            <a:off x="971600" y="1268760"/>
+            <a:ext cx="6768752" cy="2448272"/>
+          </a:xfrm>
+        </p:spPr>
+        <p:txBody>
+          <a:bodyPr>
+            <a:noAutofit/>
+          </a:bodyPr>
+          <a:lstStyle/>
+          <a:p>
+            <a:pPr algn="l"/>
+            <a:r>
+              <a:rPr lang="ru-RU" sz="3000" dirty="0" smtClean="0">
+                <a:solidFill>
+                  <a:srgbClr val="0088CC"/>
+                </a:solidFill>
+                <a:latin typeface="Lucida Console" panose="020B0609040504020204" pitchFamily="49" charset="0"/>
+              </a:rPr>
+              <a:t>1. Необходимо загружать и показывать картинки, только если они попадает в область видимости</a:t>
+            </a:r>
+            <a:endParaRPr lang="ru-RU" sz="3000" dirty="0">
+              <a:solidFill>
+                <a:srgbClr val="0088CC"/>
+              </a:solidFill>
+              <a:latin typeface="Lucida Console" panose="020B0609040504020204" pitchFamily="49" charset="0"/>
+            </a:endParaRPr>
+          </a:p>
+        </p:txBody>
+      </p:sp>
+    </p:spTree>
+    <p:extLst>
+      <p:ext uri="{BB962C8B-B14F-4D97-AF65-F5344CB8AC3E}">
+        <p14:creationId xmlns:p14="http://schemas.microsoft.com/office/powerpoint/2010/main" val="42364104"/>
+      </p:ext>
+    </p:extLst>
+  </p:cSld>
+  <p:clrMapOvr>
+    <a:masterClrMapping/>
+  </p:clrMapOvr>
+  <p:timing>
+    <p:tnLst>
+      <p:par>
+        <p:cTn id="1" dur="indefinite" restart="never" nodeType="tmRoot"/>
+      </p:par>
+    </p:tnLst>
+  </p:timing>
+</p:sld>
+</file>
+
+<file path=ppt/slides/slide12.xml><?xml version="1.0" encoding="utf-8"?>
+<p:sld xmlns:a="http://schemas.openxmlformats.org/drawingml/2006/main" xmlns:r="http://schemas.openxmlformats.org/officeDocument/2006/relationships" xmlns:p="http://schemas.openxmlformats.org/presentationml/2006/main">
+  <p:cSld>
+    <p:spTree>
+      <p:nvGrpSpPr>
+        <p:cNvPr id="1" name=""/>
+        <p:cNvGrpSpPr/>
+        <p:nvPr/>
+      </p:nvGrpSpPr>
+      <p:grpSpPr>
+        <a:xfrm>
+          <a:off x="0" y="0"/>
+          <a:ext cx="0" cy="0"/>
+          <a:chOff x="0" y="0"/>
+          <a:chExt cx="0" cy="0"/>
+        </a:xfrm>
+      </p:grpSpPr>
+      <p:sp>
+        <p:nvSpPr>
+          <p:cNvPr id="2" name="Заголовок 1"/>
+          <p:cNvSpPr>
+            <a:spLocks noGrp="1"/>
+          </p:cNvSpPr>
+          <p:nvPr>
+            <p:ph type="ctrTitle"/>
+          </p:nvPr>
+        </p:nvSpPr>
+        <p:spPr>
+          <a:xfrm>
+            <a:off x="685800" y="1421"/>
+            <a:ext cx="7772400" cy="547260"/>
+          </a:xfrm>
+        </p:spPr>
+        <p:txBody>
+          <a:bodyPr>
+            <a:normAutofit fontScale="90000"/>
+          </a:bodyPr>
+          <a:lstStyle/>
+          <a:p>
+            <a:r>
+              <a:rPr lang="ru-RU" b="1" dirty="0" smtClean="0">
+                <a:solidFill>
+                  <a:srgbClr val="0088CC"/>
+                </a:solidFill>
+                <a:latin typeface="Lucida Console" panose="020B0609040504020204" pitchFamily="49" charset="0"/>
+              </a:rPr>
+              <a:t>РЕАЛИЗАЦИЯ</a:t>
+            </a:r>
+            <a:endParaRPr lang="ru-RU" b="1" dirty="0">
+              <a:solidFill>
+                <a:srgbClr val="0088CC"/>
+              </a:solidFill>
+              <a:latin typeface="Lucida Console" panose="020B0609040504020204" pitchFamily="49" charset="0"/>
+            </a:endParaRPr>
+          </a:p>
+        </p:txBody>
+      </p:sp>
+      <p:sp>
+        <p:nvSpPr>
+          <p:cNvPr id="3" name="Подзаголовок 2"/>
+          <p:cNvSpPr>
+            <a:spLocks noGrp="1"/>
+          </p:cNvSpPr>
+          <p:nvPr>
+            <p:ph type="subTitle" idx="1"/>
+          </p:nvPr>
+        </p:nvSpPr>
+        <p:spPr>
+          <a:xfrm>
+            <a:off x="251520" y="836712"/>
+            <a:ext cx="8640960" cy="5472608"/>
+          </a:xfrm>
+        </p:spPr>
+        <p:txBody>
+          <a:bodyPr>
+            <a:noAutofit/>
+          </a:bodyPr>
+          <a:lstStyle/>
+          <a:p>
+            <a:pPr algn="l"/>
+            <a:r>
+              <a:rPr lang="en-US" sz="2000" dirty="0">
+                <a:solidFill>
+                  <a:schemeClr val="tx1"/>
+                </a:solidFill>
+                <a:latin typeface="Lucida Console" panose="020B0609040504020204" pitchFamily="49" charset="0"/>
+              </a:rPr>
+              <a:t>if (</a:t>
+            </a:r>
+            <a:r>
+              <a:rPr lang="en-US" sz="2000" dirty="0" err="1">
+                <a:solidFill>
+                  <a:schemeClr val="tx1"/>
+                </a:solidFill>
+                <a:latin typeface="Lucida Console" panose="020B0609040504020204" pitchFamily="49" charset="0"/>
+              </a:rPr>
+              <a:t>scrollTop</a:t>
+            </a:r>
+            <a:r>
+              <a:rPr lang="en-US" sz="2000" dirty="0">
+                <a:solidFill>
+                  <a:schemeClr val="tx1"/>
+                </a:solidFill>
+                <a:latin typeface="Lucida Console" panose="020B0609040504020204" pitchFamily="49" charset="0"/>
+              </a:rPr>
+              <a:t> + </a:t>
+            </a:r>
+            <a:r>
+              <a:rPr lang="en-US" sz="2000" dirty="0" err="1">
+                <a:solidFill>
+                  <a:schemeClr val="tx1"/>
+                </a:solidFill>
+                <a:latin typeface="Lucida Console" panose="020B0609040504020204" pitchFamily="49" charset="0"/>
+              </a:rPr>
+              <a:t>windowHeight</a:t>
+            </a:r>
+            <a:r>
+              <a:rPr lang="en-US" sz="2000" dirty="0">
+                <a:solidFill>
+                  <a:schemeClr val="tx1"/>
+                </a:solidFill>
+                <a:latin typeface="Lucida Console" panose="020B0609040504020204" pitchFamily="49" charset="0"/>
+              </a:rPr>
+              <a:t> &gt;= </a:t>
+            </a:r>
+            <a:r>
+              <a:rPr lang="en-US" sz="2000" dirty="0" err="1">
+                <a:solidFill>
+                  <a:schemeClr val="tx1"/>
+                </a:solidFill>
+                <a:latin typeface="Lucida Console" panose="020B0609040504020204" pitchFamily="49" charset="0"/>
+              </a:rPr>
+              <a:t>elementOffsetTop</a:t>
+            </a:r>
+            <a:r>
+              <a:rPr lang="en-US" sz="2000" dirty="0">
+                <a:solidFill>
+                  <a:schemeClr val="tx1"/>
+                </a:solidFill>
+                <a:latin typeface="Lucida Console" panose="020B0609040504020204" pitchFamily="49" charset="0"/>
+              </a:rPr>
+              <a:t>) { </a:t>
+            </a:r>
+            <a:endParaRPr lang="ru-RU" sz="2000" dirty="0">
+              <a:solidFill>
+                <a:schemeClr val="tx1"/>
+              </a:solidFill>
+              <a:latin typeface="Lucida Console" panose="020B0609040504020204" pitchFamily="49" charset="0"/>
+            </a:endParaRPr>
+          </a:p>
+          <a:p>
+            <a:pPr algn="l"/>
+            <a:r>
+              <a:rPr lang="ru-RU" sz="2000" dirty="0" smtClean="0">
+                <a:solidFill>
+                  <a:schemeClr val="tx1"/>
+                </a:solidFill>
+                <a:latin typeface="Lucida Console" panose="020B0609040504020204" pitchFamily="49" charset="0"/>
+              </a:rPr>
+              <a:t>  </a:t>
+            </a:r>
+            <a:r>
+              <a:rPr lang="en-US" sz="2000" dirty="0" smtClean="0">
+                <a:solidFill>
+                  <a:srgbClr val="0088CC"/>
+                </a:solidFill>
+                <a:latin typeface="Lucida Console" panose="020B0609040504020204" pitchFamily="49" charset="0"/>
+              </a:rPr>
+              <a:t>// </a:t>
+            </a:r>
+            <a:r>
+              <a:rPr lang="ru-RU" sz="2000" dirty="0">
+                <a:solidFill>
+                  <a:srgbClr val="0088CC"/>
+                </a:solidFill>
+                <a:latin typeface="Lucida Console" panose="020B0609040504020204" pitchFamily="49" charset="0"/>
+              </a:rPr>
+              <a:t>если виртуальный</a:t>
+            </a:r>
+          </a:p>
+          <a:p>
+            <a:pPr algn="l"/>
+            <a:r>
+              <a:rPr lang="ru-RU" sz="2000" dirty="0" smtClean="0">
+                <a:solidFill>
+                  <a:srgbClr val="0088CC"/>
+                </a:solidFill>
+                <a:latin typeface="Lucida Console" panose="020B0609040504020204" pitchFamily="49" charset="0"/>
+              </a:rPr>
+              <a:t>  // </a:t>
+            </a:r>
+            <a:r>
+              <a:rPr lang="ru-RU" sz="2000" dirty="0">
+                <a:solidFill>
+                  <a:srgbClr val="0088CC"/>
+                </a:solidFill>
+                <a:latin typeface="Lucida Console" panose="020B0609040504020204" pitchFamily="49" charset="0"/>
+              </a:rPr>
+              <a:t>объект попадает в область видимости, то</a:t>
+            </a:r>
+          </a:p>
+          <a:p>
+            <a:pPr algn="l"/>
+            <a:r>
+              <a:rPr lang="ru-RU" sz="2000" dirty="0" smtClean="0">
+                <a:solidFill>
+                  <a:srgbClr val="0088CC"/>
+                </a:solidFill>
+                <a:latin typeface="Lucida Console" panose="020B0609040504020204" pitchFamily="49" charset="0"/>
+              </a:rPr>
+              <a:t>  // </a:t>
+            </a:r>
+            <a:r>
+              <a:rPr lang="ru-RU" sz="2000" dirty="0">
+                <a:solidFill>
+                  <a:srgbClr val="0088CC"/>
+                </a:solidFill>
+                <a:latin typeface="Lucida Console" panose="020B0609040504020204" pitchFamily="49" charset="0"/>
+              </a:rPr>
+              <a:t>создает реальный объект</a:t>
+            </a:r>
+          </a:p>
+          <a:p>
+            <a:pPr algn="l"/>
+            <a:r>
+              <a:rPr lang="ru-RU" sz="2000" dirty="0" smtClean="0">
+                <a:solidFill>
+                  <a:schemeClr val="tx1"/>
+                </a:solidFill>
+                <a:latin typeface="Lucida Console" panose="020B0609040504020204" pitchFamily="49" charset="0"/>
+              </a:rPr>
+              <a:t>  </a:t>
+            </a:r>
+            <a:r>
+              <a:rPr lang="en-US" sz="2000" dirty="0" err="1" smtClean="0">
+                <a:solidFill>
+                  <a:srgbClr val="C00000"/>
+                </a:solidFill>
+                <a:latin typeface="Lucida Console" panose="020B0609040504020204" pitchFamily="49" charset="0"/>
+              </a:rPr>
+              <a:t>element.attr</a:t>
+            </a:r>
+            <a:r>
+              <a:rPr lang="en-US" sz="2000" dirty="0">
+                <a:solidFill>
+                  <a:srgbClr val="C00000"/>
+                </a:solidFill>
+                <a:latin typeface="Lucida Console" panose="020B0609040504020204" pitchFamily="49" charset="0"/>
+              </a:rPr>
+              <a:t>('</a:t>
+            </a:r>
+            <a:r>
+              <a:rPr lang="en-US" sz="2000" dirty="0" err="1">
+                <a:solidFill>
+                  <a:srgbClr val="C00000"/>
+                </a:solidFill>
+                <a:latin typeface="Lucida Console" panose="020B0609040504020204" pitchFamily="49" charset="0"/>
+              </a:rPr>
+              <a:t>src</a:t>
+            </a:r>
+            <a:r>
+              <a:rPr lang="en-US" sz="2000" dirty="0">
+                <a:solidFill>
+                  <a:srgbClr val="C00000"/>
+                </a:solidFill>
+                <a:latin typeface="Lucida Console" panose="020B0609040504020204" pitchFamily="49" charset="0"/>
+              </a:rPr>
+              <a:t>', </a:t>
+            </a:r>
+            <a:r>
+              <a:rPr lang="en-US" sz="2000" dirty="0" err="1">
+                <a:solidFill>
+                  <a:srgbClr val="C00000"/>
+                </a:solidFill>
+                <a:latin typeface="Lucida Console" panose="020B0609040504020204" pitchFamily="49" charset="0"/>
+              </a:rPr>
+              <a:t>element.attr</a:t>
+            </a:r>
+            <a:r>
+              <a:rPr lang="en-US" sz="2000" dirty="0">
+                <a:solidFill>
+                  <a:srgbClr val="C00000"/>
+                </a:solidFill>
+                <a:latin typeface="Lucida Console" panose="020B0609040504020204" pitchFamily="49" charset="0"/>
+              </a:rPr>
+              <a:t>('data-</a:t>
+            </a:r>
+            <a:r>
+              <a:rPr lang="en-US" sz="2000" dirty="0" err="1">
+                <a:solidFill>
+                  <a:srgbClr val="C00000"/>
+                </a:solidFill>
+                <a:latin typeface="Lucida Console" panose="020B0609040504020204" pitchFamily="49" charset="0"/>
+              </a:rPr>
+              <a:t>src</a:t>
+            </a:r>
+            <a:r>
+              <a:rPr lang="en-US" sz="2000" dirty="0">
+                <a:solidFill>
+                  <a:srgbClr val="C00000"/>
+                </a:solidFill>
+                <a:latin typeface="Lucida Console" panose="020B0609040504020204" pitchFamily="49" charset="0"/>
+              </a:rPr>
+              <a:t>'));</a:t>
+            </a:r>
+          </a:p>
+          <a:p>
+            <a:pPr algn="l"/>
+            <a:r>
+              <a:rPr lang="en-US" sz="2000" dirty="0">
+                <a:solidFill>
+                  <a:schemeClr val="tx1"/>
+                </a:solidFill>
+                <a:latin typeface="Lucida Console" panose="020B0609040504020204" pitchFamily="49" charset="0"/>
+              </a:rPr>
+              <a:t>  </a:t>
+            </a:r>
+            <a:endParaRPr lang="ru-RU" sz="2000" dirty="0" smtClean="0">
+              <a:solidFill>
+                <a:schemeClr val="tx1"/>
+              </a:solidFill>
+              <a:latin typeface="Lucida Console" panose="020B0609040504020204" pitchFamily="49" charset="0"/>
+            </a:endParaRPr>
+          </a:p>
+          <a:p>
+            <a:pPr algn="l"/>
+            <a:r>
+              <a:rPr lang="ru-RU" sz="2000" dirty="0">
+                <a:solidFill>
+                  <a:schemeClr val="tx1"/>
+                </a:solidFill>
+                <a:latin typeface="Lucida Console" panose="020B0609040504020204" pitchFamily="49" charset="0"/>
+              </a:rPr>
+              <a:t> </a:t>
+            </a:r>
+            <a:r>
+              <a:rPr lang="ru-RU" sz="2000" dirty="0" smtClean="0">
+                <a:solidFill>
+                  <a:schemeClr val="tx1"/>
+                </a:solidFill>
+                <a:latin typeface="Lucida Console" panose="020B0609040504020204" pitchFamily="49" charset="0"/>
+              </a:rPr>
+              <a:t> </a:t>
+            </a:r>
+            <a:r>
+              <a:rPr lang="en-US" sz="2000" dirty="0" smtClean="0">
+                <a:solidFill>
+                  <a:schemeClr val="tx1"/>
+                </a:solidFill>
+                <a:latin typeface="Lucida Console" panose="020B0609040504020204" pitchFamily="49" charset="0"/>
+              </a:rPr>
+              <a:t>// </a:t>
+            </a:r>
+            <a:r>
+              <a:rPr lang="ru-RU" sz="2000" dirty="0" err="1">
+                <a:solidFill>
+                  <a:schemeClr val="tx1"/>
+                </a:solidFill>
+                <a:latin typeface="Lucida Console" panose="020B0609040504020204" pitchFamily="49" charset="0"/>
+              </a:rPr>
+              <a:t>удалемя</a:t>
+            </a:r>
+            <a:r>
+              <a:rPr lang="ru-RU" sz="2000" dirty="0">
+                <a:solidFill>
+                  <a:schemeClr val="tx1"/>
+                </a:solidFill>
+                <a:latin typeface="Lucida Console" panose="020B0609040504020204" pitchFamily="49" charset="0"/>
+              </a:rPr>
+              <a:t> информацию о том, что это виртуальный объект.</a:t>
+            </a:r>
+          </a:p>
+          <a:p>
+            <a:pPr algn="l"/>
+            <a:r>
+              <a:rPr lang="ru-RU" sz="2000" dirty="0">
+                <a:solidFill>
+                  <a:schemeClr val="tx1"/>
+                </a:solidFill>
+                <a:latin typeface="Lucida Console" panose="020B0609040504020204" pitchFamily="49" charset="0"/>
+              </a:rPr>
+              <a:t>        </a:t>
+            </a:r>
+            <a:r>
+              <a:rPr lang="en-US" sz="2000" dirty="0" err="1">
+                <a:solidFill>
+                  <a:schemeClr val="tx1"/>
+                </a:solidFill>
+                <a:latin typeface="Lucida Console" panose="020B0609040504020204" pitchFamily="49" charset="0"/>
+              </a:rPr>
+              <a:t>element.removeClass</a:t>
+            </a:r>
+            <a:r>
+              <a:rPr lang="en-US" sz="2000" dirty="0">
+                <a:solidFill>
+                  <a:schemeClr val="tx1"/>
+                </a:solidFill>
+                <a:latin typeface="Lucida Console" panose="020B0609040504020204" pitchFamily="49" charset="0"/>
+              </a:rPr>
+              <a:t>('</a:t>
+            </a:r>
+            <a:r>
+              <a:rPr lang="en-US" sz="2000" dirty="0" err="1">
+                <a:solidFill>
+                  <a:schemeClr val="tx1"/>
+                </a:solidFill>
+                <a:latin typeface="Lucida Console" panose="020B0609040504020204" pitchFamily="49" charset="0"/>
+              </a:rPr>
+              <a:t>preloader</a:t>
+            </a:r>
+            <a:r>
+              <a:rPr lang="en-US" sz="2000" dirty="0">
+                <a:solidFill>
+                  <a:schemeClr val="tx1"/>
+                </a:solidFill>
+                <a:latin typeface="Lucida Console" panose="020B0609040504020204" pitchFamily="49" charset="0"/>
+              </a:rPr>
+              <a:t>');</a:t>
+            </a:r>
+          </a:p>
+          <a:p>
+            <a:pPr algn="l"/>
+            <a:r>
+              <a:rPr lang="en-US" sz="2000" dirty="0">
+                <a:solidFill>
+                  <a:schemeClr val="tx1"/>
+                </a:solidFill>
+                <a:latin typeface="Lucida Console" panose="020B0609040504020204" pitchFamily="49" charset="0"/>
+              </a:rPr>
+              <a:t>      }</a:t>
+            </a:r>
+            <a:endParaRPr lang="ru-RU" sz="2000" dirty="0">
+              <a:solidFill>
+                <a:schemeClr val="tx1"/>
+              </a:solidFill>
+              <a:latin typeface="Lucida Console" panose="020B0609040504020204" pitchFamily="49" charset="0"/>
+            </a:endParaRPr>
+          </a:p>
+        </p:txBody>
+      </p:sp>
+    </p:spTree>
+    <p:extLst>
+      <p:ext uri="{BB962C8B-B14F-4D97-AF65-F5344CB8AC3E}">
+        <p14:creationId xmlns:p14="http://schemas.microsoft.com/office/powerpoint/2010/main" val="552925817"/>
+      </p:ext>
+    </p:extLst>
+  </p:cSld>
+  <p:clrMapOvr>
+    <a:masterClrMapping/>
+  </p:clrMapOvr>
+  <p:timing>
+    <p:tnLst>
+      <p:par>
+        <p:cTn id="1" dur="indefinite" restart="never" nodeType="tmRoot"/>
+      </p:par>
+    </p:tnLst>
+  </p:timing>
+</p:sld>
+</file>
+
+<file path=ppt/slides/slide13.xml><?xml version="1.0" encoding="utf-8"?>
+<p:sld xmlns:a="http://schemas.openxmlformats.org/drawingml/2006/main" xmlns:r="http://schemas.openxmlformats.org/officeDocument/2006/relationships" xmlns:p="http://schemas.openxmlformats.org/presentationml/2006/main">
+  <p:cSld>
+    <p:spTree>
+      <p:nvGrpSpPr>
+        <p:cNvPr id="1" name=""/>
+        <p:cNvGrpSpPr/>
+        <p:nvPr/>
+      </p:nvGrpSpPr>
+      <p:grpSpPr>
+        <a:xfrm>
+          <a:off x="0" y="0"/>
+          <a:ext cx="0" cy="0"/>
+          <a:chOff x="0" y="0"/>
+          <a:chExt cx="0" cy="0"/>
+        </a:xfrm>
+      </p:grpSpPr>
+      <p:sp>
+        <p:nvSpPr>
+          <p:cNvPr id="2" name="Заголовок 1"/>
+          <p:cNvSpPr>
+            <a:spLocks noGrp="1"/>
+          </p:cNvSpPr>
+          <p:nvPr>
+            <p:ph type="ctrTitle"/>
+          </p:nvPr>
+        </p:nvSpPr>
+        <p:spPr>
+          <a:xfrm>
+            <a:off x="683568" y="1"/>
+            <a:ext cx="7772400" cy="548680"/>
+          </a:xfrm>
+        </p:spPr>
+        <p:txBody>
+          <a:bodyPr>
+            <a:normAutofit fontScale="90000"/>
+          </a:bodyPr>
+          <a:lstStyle/>
+          <a:p>
+            <a:r>
+              <a:rPr lang="ru-RU" b="1" dirty="0" smtClean="0">
+                <a:solidFill>
+                  <a:srgbClr val="0088CC"/>
+                </a:solidFill>
+                <a:latin typeface="Lucida Console" panose="020B0609040504020204" pitchFamily="49" charset="0"/>
+              </a:rPr>
+              <a:t>ЗАЩИЩАЮЩИЙ ЗАМЕСТИТЕЛЬ</a:t>
+            </a:r>
+            <a:endParaRPr lang="ru-RU" b="1" dirty="0">
+              <a:solidFill>
+                <a:srgbClr val="0088CC"/>
+              </a:solidFill>
+              <a:latin typeface="Lucida Console" panose="020B0609040504020204" pitchFamily="49" charset="0"/>
+            </a:endParaRPr>
+          </a:p>
+        </p:txBody>
+      </p:sp>
+      <p:sp>
+        <p:nvSpPr>
+          <p:cNvPr id="3" name="Подзаголовок 2"/>
+          <p:cNvSpPr>
+            <a:spLocks noGrp="1"/>
+          </p:cNvSpPr>
+          <p:nvPr>
+            <p:ph type="subTitle" idx="1"/>
+          </p:nvPr>
+        </p:nvSpPr>
+        <p:spPr>
+          <a:xfrm>
+            <a:off x="251520" y="980728"/>
+            <a:ext cx="8640960" cy="5328592"/>
+          </a:xfrm>
+        </p:spPr>
+        <p:txBody>
+          <a:bodyPr>
+            <a:noAutofit/>
+          </a:bodyPr>
+          <a:lstStyle/>
+          <a:p>
+            <a:pPr marL="514350" indent="-514350" algn="l">
+              <a:buFont typeface="+mj-lt"/>
+              <a:buAutoNum type="arabicPeriod"/>
+            </a:pPr>
+            <a:r>
+              <a:rPr lang="ru-RU" sz="3000" dirty="0" smtClean="0">
+                <a:solidFill>
+                  <a:srgbClr val="0088CC"/>
+                </a:solidFill>
+                <a:latin typeface="Lucida Console" panose="020B0609040504020204" pitchFamily="49" charset="0"/>
+              </a:rPr>
+              <a:t>Контролирует доступ к исходному объекту. </a:t>
+            </a:r>
+            <a:endParaRPr lang="en-US" sz="3000" dirty="0" smtClean="0">
+              <a:solidFill>
+                <a:srgbClr val="0088CC"/>
+              </a:solidFill>
+              <a:latin typeface="Lucida Console" panose="020B0609040504020204" pitchFamily="49" charset="0"/>
+            </a:endParaRPr>
+          </a:p>
+          <a:p>
+            <a:pPr marL="514350" indent="-514350" algn="l">
+              <a:buFont typeface="+mj-lt"/>
+              <a:buAutoNum type="arabicPeriod"/>
+            </a:pPr>
+            <a:endParaRPr lang="en-US" sz="3000" dirty="0">
+              <a:solidFill>
+                <a:srgbClr val="0088CC"/>
+              </a:solidFill>
+              <a:latin typeface="Lucida Console" panose="020B0609040504020204" pitchFamily="49" charset="0"/>
+            </a:endParaRPr>
+          </a:p>
+          <a:p>
+            <a:pPr marL="514350" indent="-514350" algn="l">
+              <a:buFont typeface="+mj-lt"/>
+              <a:buAutoNum type="arabicPeriod"/>
+            </a:pPr>
+            <a:r>
+              <a:rPr lang="ru-RU" sz="3000" dirty="0" smtClean="0">
+                <a:solidFill>
+                  <a:srgbClr val="0088CC"/>
+                </a:solidFill>
+                <a:latin typeface="Lucida Console" panose="020B0609040504020204" pitchFamily="49" charset="0"/>
+              </a:rPr>
+              <a:t>Такие заместители полезны, когда для разных объектов определены различные права доступа</a:t>
+            </a:r>
+            <a:endParaRPr lang="ru-RU" sz="3000" dirty="0">
+              <a:solidFill>
+                <a:srgbClr val="0088CC"/>
+              </a:solidFill>
+              <a:latin typeface="Lucida Console" panose="020B0609040504020204" pitchFamily="49" charset="0"/>
+            </a:endParaRPr>
+          </a:p>
+        </p:txBody>
+      </p:sp>
+    </p:spTree>
+    <p:extLst>
+      <p:ext uri="{BB962C8B-B14F-4D97-AF65-F5344CB8AC3E}">
+        <p14:creationId xmlns:p14="http://schemas.microsoft.com/office/powerpoint/2010/main" val="2748188987"/>
+      </p:ext>
+    </p:extLst>
+  </p:cSld>
+  <p:clrMapOvr>
+    <a:masterClrMapping/>
+  </p:clrMapOvr>
+  <p:timing>
+    <p:tnLst>
+      <p:par>
+        <p:cTn id="1" dur="indefinite" restart="never" nodeType="tmRoot"/>
+      </p:par>
+    </p:tnLst>
+  </p:timing>
+</p:sld>
+</file>
+
+<file path=ppt/slides/slide14.xml><?xml version="1.0" encoding="utf-8"?>
+<p:sld xmlns:a="http://schemas.openxmlformats.org/drawingml/2006/main" xmlns:r="http://schemas.openxmlformats.org/officeDocument/2006/relationships" xmlns:p="http://schemas.openxmlformats.org/presentationml/2006/main">
+  <p:cSld>
+    <p:spTree>
+      <p:nvGrpSpPr>
+        <p:cNvPr id="1" name=""/>
+        <p:cNvGrpSpPr/>
+        <p:nvPr/>
+      </p:nvGrpSpPr>
+      <p:grpSpPr>
+        <a:xfrm>
+          <a:off x="0" y="0"/>
+          <a:ext cx="0" cy="0"/>
+          <a:chOff x="0" y="0"/>
+          <a:chExt cx="0" cy="0"/>
+        </a:xfrm>
+      </p:grpSpPr>
+      <p:sp>
+        <p:nvSpPr>
+          <p:cNvPr id="2" name="Заголовок 1"/>
+          <p:cNvSpPr>
+            <a:spLocks noGrp="1"/>
+          </p:cNvSpPr>
+          <p:nvPr>
+            <p:ph type="ctrTitle"/>
+          </p:nvPr>
+        </p:nvSpPr>
+        <p:spPr>
+          <a:xfrm>
+            <a:off x="683568" y="1"/>
+            <a:ext cx="7772400" cy="548680"/>
+          </a:xfrm>
+        </p:spPr>
+        <p:txBody>
+          <a:bodyPr>
+            <a:normAutofit fontScale="90000"/>
+          </a:bodyPr>
+          <a:lstStyle/>
+          <a:p>
+            <a:r>
+              <a:rPr lang="ru-RU" b="1" dirty="0" smtClean="0">
+                <a:solidFill>
+                  <a:srgbClr val="0088CC"/>
+                </a:solidFill>
+                <a:latin typeface="Lucida Console" panose="020B0609040504020204" pitchFamily="49" charset="0"/>
+              </a:rPr>
+              <a:t>ЗАДАЧИ</a:t>
+            </a:r>
+            <a:endParaRPr lang="ru-RU" b="1" dirty="0">
+              <a:solidFill>
+                <a:srgbClr val="0088CC"/>
+              </a:solidFill>
+              <a:latin typeface="Lucida Console" panose="020B0609040504020204" pitchFamily="49" charset="0"/>
+            </a:endParaRPr>
+          </a:p>
+        </p:txBody>
+      </p:sp>
+      <p:sp>
+        <p:nvSpPr>
+          <p:cNvPr id="3" name="Подзаголовок 2"/>
+          <p:cNvSpPr>
+            <a:spLocks noGrp="1"/>
+          </p:cNvSpPr>
+          <p:nvPr>
+            <p:ph type="subTitle" idx="1"/>
+          </p:nvPr>
+        </p:nvSpPr>
+        <p:spPr>
+          <a:xfrm>
+            <a:off x="971600" y="1268760"/>
+            <a:ext cx="7704856" cy="1475040"/>
+          </a:xfrm>
+        </p:spPr>
+        <p:txBody>
+          <a:bodyPr>
+            <a:noAutofit/>
+          </a:bodyPr>
+          <a:lstStyle/>
+          <a:p>
+            <a:pPr marL="514350" indent="-514350" algn="l">
+              <a:buAutoNum type="arabicPeriod"/>
+            </a:pPr>
+            <a:r>
+              <a:rPr lang="ru-RU" sz="3000" dirty="0" smtClean="0">
+                <a:solidFill>
+                  <a:srgbClr val="0088CC"/>
+                </a:solidFill>
+                <a:latin typeface="Lucida Console" panose="020B0609040504020204" pitchFamily="49" charset="0"/>
+              </a:rPr>
+              <a:t>Роли пользователей</a:t>
+            </a:r>
+          </a:p>
+          <a:p>
+            <a:pPr marL="514350" indent="-514350" algn="l">
+              <a:buAutoNum type="arabicPeriod"/>
+            </a:pPr>
+            <a:r>
+              <a:rPr lang="ru-RU" sz="3000" dirty="0" smtClean="0">
+                <a:solidFill>
+                  <a:srgbClr val="0088CC"/>
+                </a:solidFill>
+                <a:latin typeface="Lucida Console" panose="020B0609040504020204" pitchFamily="49" charset="0"/>
+              </a:rPr>
+              <a:t>Права на </a:t>
+            </a:r>
+            <a:r>
+              <a:rPr lang="en-US" sz="3000" dirty="0" smtClean="0">
+                <a:solidFill>
+                  <a:srgbClr val="0088CC"/>
+                </a:solidFill>
+                <a:latin typeface="Lucida Console" panose="020B0609040504020204" pitchFamily="49" charset="0"/>
+              </a:rPr>
+              <a:t>CRUD</a:t>
+            </a:r>
+            <a:r>
+              <a:rPr lang="ru-RU" sz="3000" dirty="0" smtClean="0">
+                <a:solidFill>
+                  <a:srgbClr val="0088CC"/>
+                </a:solidFill>
+                <a:latin typeface="Lucida Console" panose="020B0609040504020204" pitchFamily="49" charset="0"/>
+              </a:rPr>
+              <a:t> (</a:t>
+            </a:r>
+            <a:r>
+              <a:rPr lang="en-US" sz="3000" dirty="0" smtClean="0">
+                <a:solidFill>
+                  <a:srgbClr val="0088CC"/>
+                </a:solidFill>
+                <a:latin typeface="Lucida Console" panose="020B0609040504020204" pitchFamily="49" charset="0"/>
+              </a:rPr>
+              <a:t>create/read/update/delete</a:t>
+            </a:r>
+            <a:r>
+              <a:rPr lang="ru-RU" sz="3000" dirty="0" smtClean="0">
+                <a:solidFill>
+                  <a:srgbClr val="0088CC"/>
+                </a:solidFill>
+                <a:latin typeface="Lucida Console" panose="020B0609040504020204" pitchFamily="49" charset="0"/>
+              </a:rPr>
+              <a:t>)</a:t>
+            </a:r>
+            <a:r>
+              <a:rPr lang="en-US" sz="3000" dirty="0" smtClean="0">
+                <a:solidFill>
+                  <a:srgbClr val="0088CC"/>
+                </a:solidFill>
+                <a:latin typeface="Lucida Console" panose="020B0609040504020204" pitchFamily="49" charset="0"/>
+              </a:rPr>
+              <a:t> </a:t>
+            </a:r>
+            <a:r>
+              <a:rPr lang="ru-RU" sz="3000" dirty="0" smtClean="0">
+                <a:solidFill>
+                  <a:srgbClr val="0088CC"/>
+                </a:solidFill>
+                <a:latin typeface="Lucida Console" panose="020B0609040504020204" pitchFamily="49" charset="0"/>
+              </a:rPr>
+              <a:t>операции</a:t>
+            </a:r>
+            <a:endParaRPr lang="ru-RU" sz="3000" dirty="0">
+              <a:solidFill>
+                <a:srgbClr val="0088CC"/>
+              </a:solidFill>
+              <a:latin typeface="Lucida Console" panose="020B0609040504020204" pitchFamily="49" charset="0"/>
+            </a:endParaRPr>
+          </a:p>
+        </p:txBody>
+      </p:sp>
+    </p:spTree>
+    <p:extLst>
+      <p:ext uri="{BB962C8B-B14F-4D97-AF65-F5344CB8AC3E}">
+        <p14:creationId xmlns:p14="http://schemas.microsoft.com/office/powerpoint/2010/main" val="676289668"/>
+      </p:ext>
+    </p:extLst>
+  </p:cSld>
+  <p:clrMapOvr>
+    <a:masterClrMapping/>
+  </p:clrMapOvr>
+  <p:timing>
+    <p:tnLst>
+      <p:par>
+        <p:cTn id="1" dur="indefinite" restart="never" nodeType="tmRoot"/>
+      </p:par>
+    </p:tnLst>
+  </p:timing>
+</p:sld>
+</file>
+
+<file path=ppt/slides/slide15.xml><?xml version="1.0" encoding="utf-8"?>
+<p:sld xmlns:a="http://schemas.openxmlformats.org/drawingml/2006/main" xmlns:r="http://schemas.openxmlformats.org/officeDocument/2006/relationships" xmlns:p="http://schemas.openxmlformats.org/presentationml/2006/main">
+  <p:cSld>
+    <p:spTree>
+      <p:nvGrpSpPr>
+        <p:cNvPr id="1" name=""/>
+        <p:cNvGrpSpPr/>
+        <p:nvPr/>
+      </p:nvGrpSpPr>
+      <p:grpSpPr>
+        <a:xfrm>
+          <a:off x="0" y="0"/>
+          <a:ext cx="0" cy="0"/>
+          <a:chOff x="0" y="0"/>
+          <a:chExt cx="0" cy="0"/>
+        </a:xfrm>
+      </p:grpSpPr>
+      <p:sp>
+        <p:nvSpPr>
+          <p:cNvPr id="2" name="Заголовок 1"/>
+          <p:cNvSpPr>
+            <a:spLocks noGrp="1"/>
+          </p:cNvSpPr>
+          <p:nvPr>
+            <p:ph type="ctrTitle"/>
+          </p:nvPr>
+        </p:nvSpPr>
+        <p:spPr>
+          <a:xfrm>
             <a:off x="685800" y="1"/>
             <a:ext cx="7772400" cy="548680"/>
           </a:xfrm>
@@ -4822,7 +6114,384 @@
                 </a:solidFill>
                 <a:latin typeface="Lucida Console" panose="020B0609040504020204" pitchFamily="49" charset="0"/>
               </a:rPr>
-              <a:t>ПРИМЕР</a:t>
+              <a:t>«УМНАЯ» ССЫЛКА</a:t>
+            </a:r>
+            <a:endParaRPr lang="ru-RU" b="1" dirty="0">
+              <a:solidFill>
+                <a:srgbClr val="0088CC"/>
+              </a:solidFill>
+              <a:latin typeface="Lucida Console" panose="020B0609040504020204" pitchFamily="49" charset="0"/>
+            </a:endParaRPr>
+          </a:p>
+        </p:txBody>
+      </p:sp>
+      <p:sp>
+        <p:nvSpPr>
+          <p:cNvPr id="3" name="Подзаголовок 2"/>
+          <p:cNvSpPr>
+            <a:spLocks noGrp="1"/>
+          </p:cNvSpPr>
+          <p:nvPr>
+            <p:ph type="subTitle" idx="1"/>
+          </p:nvPr>
+        </p:nvSpPr>
+        <p:spPr>
+          <a:xfrm>
+            <a:off x="251520" y="908720"/>
+            <a:ext cx="8640960" cy="5400600"/>
+          </a:xfrm>
+        </p:spPr>
+        <p:txBody>
+          <a:bodyPr>
+            <a:normAutofit/>
+          </a:bodyPr>
+          <a:lstStyle/>
+          <a:p>
+            <a:pPr algn="l"/>
+            <a:r>
+              <a:rPr lang="ru-RU" sz="2500" dirty="0" smtClean="0">
+                <a:solidFill>
+                  <a:srgbClr val="0088CC"/>
+                </a:solidFill>
+                <a:latin typeface="Lucida Console" panose="020B0609040504020204" pitchFamily="49" charset="0"/>
+              </a:rPr>
+              <a:t>Это замена обычного указателя.</a:t>
+            </a:r>
+          </a:p>
+          <a:p>
+            <a:pPr algn="l"/>
+            <a:r>
+              <a:rPr lang="ru-RU" sz="2500" dirty="0" smtClean="0">
+                <a:solidFill>
+                  <a:srgbClr val="0088CC"/>
+                </a:solidFill>
+                <a:latin typeface="Lucida Console" panose="020B0609040504020204" pitchFamily="49" charset="0"/>
+              </a:rPr>
+              <a:t>Используется для</a:t>
+            </a:r>
+            <a:r>
+              <a:rPr lang="en-US" sz="2500" dirty="0" smtClean="0">
+                <a:solidFill>
+                  <a:srgbClr val="0088CC"/>
+                </a:solidFill>
+                <a:latin typeface="Lucida Console" panose="020B0609040504020204" pitchFamily="49" charset="0"/>
+              </a:rPr>
+              <a:t>:</a:t>
+            </a:r>
+            <a:endParaRPr lang="ru-RU" sz="2500" dirty="0" smtClean="0">
+              <a:solidFill>
+                <a:srgbClr val="0088CC"/>
+              </a:solidFill>
+              <a:latin typeface="Lucida Console" panose="020B0609040504020204" pitchFamily="49" charset="0"/>
+            </a:endParaRPr>
+          </a:p>
+          <a:p>
+            <a:pPr marL="457200" indent="-457200" algn="l">
+              <a:buFontTx/>
+              <a:buChar char="-"/>
+            </a:pPr>
+            <a:r>
+              <a:rPr lang="ru-RU" sz="2500" dirty="0">
+                <a:solidFill>
+                  <a:srgbClr val="0088CC"/>
+                </a:solidFill>
+                <a:latin typeface="Lucida Console" panose="020B0609040504020204" pitchFamily="49" charset="0"/>
+              </a:rPr>
+              <a:t>п</a:t>
+            </a:r>
+            <a:r>
+              <a:rPr lang="ru-RU" sz="2500" dirty="0" smtClean="0">
+                <a:solidFill>
+                  <a:srgbClr val="0088CC"/>
+                </a:solidFill>
+                <a:latin typeface="Lucida Console" panose="020B0609040504020204" pitchFamily="49" charset="0"/>
+              </a:rPr>
+              <a:t>одсчет числа ссылок на реальный объект</a:t>
+            </a:r>
+            <a:r>
+              <a:rPr lang="en-US" sz="2500" dirty="0" smtClean="0">
+                <a:solidFill>
+                  <a:srgbClr val="0088CC"/>
+                </a:solidFill>
+                <a:latin typeface="Lucida Console" panose="020B0609040504020204" pitchFamily="49" charset="0"/>
+              </a:rPr>
+              <a:t>;</a:t>
+            </a:r>
+            <a:endParaRPr lang="ru-RU" sz="2500" dirty="0" smtClean="0">
+              <a:solidFill>
+                <a:srgbClr val="0088CC"/>
+              </a:solidFill>
+              <a:latin typeface="Lucida Console" panose="020B0609040504020204" pitchFamily="49" charset="0"/>
+            </a:endParaRPr>
+          </a:p>
+          <a:p>
+            <a:pPr marL="457200" indent="-457200" algn="l">
+              <a:buFontTx/>
+              <a:buChar char="-"/>
+            </a:pPr>
+            <a:r>
+              <a:rPr lang="ru-RU" sz="2500" dirty="0">
+                <a:solidFill>
+                  <a:srgbClr val="0088CC"/>
+                </a:solidFill>
+                <a:latin typeface="Lucida Console" panose="020B0609040504020204" pitchFamily="49" charset="0"/>
+              </a:rPr>
+              <a:t>з</a:t>
+            </a:r>
+            <a:r>
+              <a:rPr lang="ru-RU" sz="2500" dirty="0" smtClean="0">
+                <a:solidFill>
+                  <a:srgbClr val="0088CC"/>
+                </a:solidFill>
+                <a:latin typeface="Lucida Console" panose="020B0609040504020204" pitchFamily="49" charset="0"/>
+              </a:rPr>
+              <a:t>агрузка объекта в память</a:t>
+            </a:r>
+            <a:r>
+              <a:rPr lang="en-US" sz="2500" dirty="0" smtClean="0">
+                <a:solidFill>
+                  <a:srgbClr val="0088CC"/>
+                </a:solidFill>
+                <a:latin typeface="Lucida Console" panose="020B0609040504020204" pitchFamily="49" charset="0"/>
+              </a:rPr>
+              <a:t>;</a:t>
+            </a:r>
+            <a:endParaRPr lang="ru-RU" sz="2500" dirty="0" smtClean="0">
+              <a:solidFill>
+                <a:srgbClr val="0088CC"/>
+              </a:solidFill>
+              <a:latin typeface="Lucida Console" panose="020B0609040504020204" pitchFamily="49" charset="0"/>
+            </a:endParaRPr>
+          </a:p>
+          <a:p>
+            <a:pPr marL="457200" indent="-457200" algn="l">
+              <a:buFontTx/>
+              <a:buChar char="-"/>
+            </a:pPr>
+            <a:r>
+              <a:rPr lang="ru-RU" sz="2500" dirty="0">
+                <a:solidFill>
+                  <a:srgbClr val="0088CC"/>
+                </a:solidFill>
+                <a:latin typeface="Lucida Console" panose="020B0609040504020204" pitchFamily="49" charset="0"/>
+              </a:rPr>
+              <a:t>п</a:t>
+            </a:r>
+            <a:r>
+              <a:rPr lang="ru-RU" sz="2500" dirty="0" smtClean="0">
+                <a:solidFill>
+                  <a:srgbClr val="0088CC"/>
+                </a:solidFill>
+                <a:latin typeface="Lucida Console" panose="020B0609040504020204" pitchFamily="49" charset="0"/>
+              </a:rPr>
+              <a:t>роверку и установку блокировки</a:t>
+            </a:r>
+            <a:r>
+              <a:rPr lang="en-US" sz="2500" dirty="0" smtClean="0">
+                <a:solidFill>
+                  <a:srgbClr val="0088CC"/>
+                </a:solidFill>
+                <a:latin typeface="Lucida Console" panose="020B0609040504020204" pitchFamily="49" charset="0"/>
+              </a:rPr>
+              <a:t>.</a:t>
+            </a:r>
+            <a:endParaRPr lang="ru-RU" sz="2500" dirty="0">
+              <a:solidFill>
+                <a:srgbClr val="0088CC"/>
+              </a:solidFill>
+              <a:latin typeface="Lucida Console" panose="020B0609040504020204" pitchFamily="49" charset="0"/>
+            </a:endParaRPr>
+          </a:p>
+        </p:txBody>
+      </p:sp>
+    </p:spTree>
+    <p:extLst>
+      <p:ext uri="{BB962C8B-B14F-4D97-AF65-F5344CB8AC3E}">
+        <p14:creationId xmlns:p14="http://schemas.microsoft.com/office/powerpoint/2010/main" val="1771590083"/>
+      </p:ext>
+    </p:extLst>
+  </p:cSld>
+  <p:clrMapOvr>
+    <a:masterClrMapping/>
+  </p:clrMapOvr>
+  <p:timing>
+    <p:tnLst>
+      <p:par>
+        <p:cTn id="1" dur="indefinite" restart="never" nodeType="tmRoot"/>
+      </p:par>
+    </p:tnLst>
+  </p:timing>
+</p:sld>
+</file>
+
+<file path=ppt/slides/slide16.xml><?xml version="1.0" encoding="utf-8"?>
+<p:sld xmlns:a="http://schemas.openxmlformats.org/drawingml/2006/main" xmlns:r="http://schemas.openxmlformats.org/officeDocument/2006/relationships" xmlns:p="http://schemas.openxmlformats.org/presentationml/2006/main">
+  <p:cSld>
+    <p:spTree>
+      <p:nvGrpSpPr>
+        <p:cNvPr id="1" name=""/>
+        <p:cNvGrpSpPr/>
+        <p:nvPr/>
+      </p:nvGrpSpPr>
+      <p:grpSpPr>
+        <a:xfrm>
+          <a:off x="0" y="0"/>
+          <a:ext cx="0" cy="0"/>
+          <a:chOff x="0" y="0"/>
+          <a:chExt cx="0" cy="0"/>
+        </a:xfrm>
+      </p:grpSpPr>
+      <p:sp>
+        <p:nvSpPr>
+          <p:cNvPr id="2" name="Заголовок 1"/>
+          <p:cNvSpPr>
+            <a:spLocks noGrp="1"/>
+          </p:cNvSpPr>
+          <p:nvPr>
+            <p:ph type="ctrTitle"/>
+          </p:nvPr>
+        </p:nvSpPr>
+        <p:spPr>
+          <a:xfrm>
+            <a:off x="685800" y="1"/>
+            <a:ext cx="7772400" cy="548680"/>
+          </a:xfrm>
+        </p:spPr>
+        <p:txBody>
+          <a:bodyPr>
+            <a:normAutofit fontScale="90000"/>
+          </a:bodyPr>
+          <a:lstStyle/>
+          <a:p>
+            <a:r>
+              <a:rPr lang="ru-RU" b="1" dirty="0" smtClean="0">
+                <a:solidFill>
+                  <a:srgbClr val="0088CC"/>
+                </a:solidFill>
+                <a:latin typeface="Lucida Console" panose="020B0609040504020204" pitchFamily="49" charset="0"/>
+              </a:rPr>
+              <a:t>ЗАДАЧИ</a:t>
+            </a:r>
+            <a:endParaRPr lang="ru-RU" b="1" dirty="0">
+              <a:solidFill>
+                <a:srgbClr val="0088CC"/>
+              </a:solidFill>
+              <a:latin typeface="Lucida Console" panose="020B0609040504020204" pitchFamily="49" charset="0"/>
+            </a:endParaRPr>
+          </a:p>
+        </p:txBody>
+      </p:sp>
+      <p:sp>
+        <p:nvSpPr>
+          <p:cNvPr id="3" name="Подзаголовок 2"/>
+          <p:cNvSpPr>
+            <a:spLocks noGrp="1"/>
+          </p:cNvSpPr>
+          <p:nvPr>
+            <p:ph type="subTitle" idx="1"/>
+          </p:nvPr>
+        </p:nvSpPr>
+        <p:spPr>
+          <a:xfrm>
+            <a:off x="251520" y="836712"/>
+            <a:ext cx="8640960" cy="5472608"/>
+          </a:xfrm>
+        </p:spPr>
+        <p:txBody>
+          <a:bodyPr>
+            <a:normAutofit/>
+          </a:bodyPr>
+          <a:lstStyle/>
+          <a:p>
+            <a:pPr marL="541338" indent="-541338" algn="l">
+              <a:buFont typeface="+mj-lt"/>
+              <a:buAutoNum type="arabicPeriod"/>
+            </a:pPr>
+            <a:r>
+              <a:rPr lang="ru-RU" sz="2500" dirty="0" smtClean="0">
+                <a:solidFill>
+                  <a:srgbClr val="0088CC"/>
+                </a:solidFill>
+                <a:latin typeface="Lucida Console" panose="020B0609040504020204" pitchFamily="49" charset="0"/>
+              </a:rPr>
+              <a:t>Необходимо удалять объекты, которые старше 10 минут, по требованию</a:t>
+            </a:r>
+            <a:endParaRPr lang="ru-RU" sz="2500" dirty="0">
+              <a:solidFill>
+                <a:srgbClr val="0088CC"/>
+              </a:solidFill>
+              <a:latin typeface="Lucida Console" panose="020B0609040504020204" pitchFamily="49" charset="0"/>
+            </a:endParaRPr>
+          </a:p>
+        </p:txBody>
+      </p:sp>
+    </p:spTree>
+    <p:extLst>
+      <p:ext uri="{BB962C8B-B14F-4D97-AF65-F5344CB8AC3E}">
+        <p14:creationId xmlns:p14="http://schemas.microsoft.com/office/powerpoint/2010/main" val="1922860553"/>
+      </p:ext>
+    </p:extLst>
+  </p:cSld>
+  <p:clrMapOvr>
+    <a:masterClrMapping/>
+  </p:clrMapOvr>
+  <p:timing>
+    <p:tnLst>
+      <p:par>
+        <p:cTn id="1" dur="indefinite" restart="never" nodeType="tmRoot"/>
+      </p:par>
+    </p:tnLst>
+  </p:timing>
+</p:sld>
+</file>
+
+<file path=ppt/slides/slide17.xml><?xml version="1.0" encoding="utf-8"?>
+<p:sld xmlns:a="http://schemas.openxmlformats.org/drawingml/2006/main" xmlns:r="http://schemas.openxmlformats.org/officeDocument/2006/relationships" xmlns:p="http://schemas.openxmlformats.org/presentationml/2006/main">
+  <p:cSld>
+    <p:spTree>
+      <p:nvGrpSpPr>
+        <p:cNvPr id="1" name=""/>
+        <p:cNvGrpSpPr/>
+        <p:nvPr/>
+      </p:nvGrpSpPr>
+      <p:grpSpPr>
+        <a:xfrm>
+          <a:off x="0" y="0"/>
+          <a:ext cx="0" cy="0"/>
+          <a:chOff x="0" y="0"/>
+          <a:chExt cx="0" cy="0"/>
+        </a:xfrm>
+      </p:grpSpPr>
+      <p:sp>
+        <p:nvSpPr>
+          <p:cNvPr id="2" name="Заголовок 1"/>
+          <p:cNvSpPr>
+            <a:spLocks noGrp="1"/>
+          </p:cNvSpPr>
+          <p:nvPr>
+            <p:ph type="ctrTitle"/>
+          </p:nvPr>
+        </p:nvSpPr>
+        <p:spPr>
+          <a:xfrm>
+            <a:off x="685800" y="1"/>
+            <a:ext cx="7772400" cy="548680"/>
+          </a:xfrm>
+        </p:spPr>
+        <p:txBody>
+          <a:bodyPr>
+            <a:normAutofit fontScale="90000"/>
+          </a:bodyPr>
+          <a:lstStyle/>
+          <a:p>
+            <a:r>
+              <a:rPr lang="ru-RU" b="1" dirty="0" smtClean="0">
+                <a:solidFill>
+                  <a:srgbClr val="0088CC"/>
+                </a:solidFill>
+                <a:latin typeface="Lucida Console" panose="020B0609040504020204" pitchFamily="49" charset="0"/>
+              </a:rPr>
+              <a:t>РЕАЛИЗАЦИЯ</a:t>
             </a:r>
             <a:endParaRPr lang="ru-RU" b="1" dirty="0">
               <a:solidFill>
@@ -5233,8 +6902,8 @@
         </p:nvSpPr>
         <p:spPr>
           <a:xfrm>
-            <a:off x="971600" y="1268760"/>
-            <a:ext cx="7704856" cy="720080"/>
+            <a:off x="251520" y="908720"/>
+            <a:ext cx="8640960" cy="5400600"/>
           </a:xfrm>
         </p:spPr>
         <p:txBody>
@@ -5243,7 +6912,7 @@
           </a:bodyPr>
           <a:lstStyle/>
           <a:p>
-            <a:pPr algn="l"/>
+            <a:pPr algn="just"/>
             <a:r>
               <a:rPr lang="ru-RU" sz="3000" dirty="0" smtClean="0">
                 <a:solidFill>
@@ -5311,6 +6980,405 @@
         </p:nvSpPr>
         <p:spPr>
           <a:xfrm>
+            <a:off x="682218" y="1"/>
+            <a:ext cx="7772400" cy="548680"/>
+          </a:xfrm>
+        </p:spPr>
+        <p:txBody>
+          <a:bodyPr>
+            <a:normAutofit fontScale="90000"/>
+          </a:bodyPr>
+          <a:lstStyle/>
+          <a:p>
+            <a:r>
+              <a:rPr lang="ru-RU" b="1" dirty="0" smtClean="0">
+                <a:solidFill>
+                  <a:srgbClr val="0088CC"/>
+                </a:solidFill>
+                <a:latin typeface="Lucida Console" panose="020B0609040504020204" pitchFamily="49" charset="0"/>
+              </a:rPr>
+              <a:t>ТЕЗИСЫ</a:t>
+            </a:r>
+            <a:endParaRPr lang="ru-RU" b="1" dirty="0">
+              <a:solidFill>
+                <a:srgbClr val="0088CC"/>
+              </a:solidFill>
+              <a:latin typeface="Lucida Console" panose="020B0609040504020204" pitchFamily="49" charset="0"/>
+            </a:endParaRPr>
+          </a:p>
+        </p:txBody>
+      </p:sp>
+      <p:sp>
+        <p:nvSpPr>
+          <p:cNvPr id="3" name="Подзаголовок 2"/>
+          <p:cNvSpPr>
+            <a:spLocks noGrp="1"/>
+          </p:cNvSpPr>
+          <p:nvPr>
+            <p:ph type="subTitle" idx="1"/>
+          </p:nvPr>
+        </p:nvSpPr>
+        <p:spPr>
+          <a:xfrm>
+            <a:off x="251520" y="764704"/>
+            <a:ext cx="8640960" cy="5544616"/>
+          </a:xfrm>
+        </p:spPr>
+        <p:txBody>
+          <a:bodyPr>
+            <a:noAutofit/>
+          </a:bodyPr>
+          <a:lstStyle/>
+          <a:p>
+            <a:pPr marL="447675" indent="-447675" algn="l">
+              <a:buAutoNum type="arabicPeriod"/>
+            </a:pPr>
+            <a:r>
+              <a:rPr lang="ru-RU" sz="2800" dirty="0" smtClean="0">
+                <a:solidFill>
+                  <a:srgbClr val="0088CC"/>
+                </a:solidFill>
+                <a:latin typeface="Lucida Console" panose="020B0609040504020204" pitchFamily="49" charset="0"/>
+              </a:rPr>
+              <a:t>Позволяет </a:t>
+            </a:r>
+            <a:r>
+              <a:rPr lang="ru-RU" sz="2800" dirty="0">
+                <a:solidFill>
+                  <a:srgbClr val="0088CC"/>
+                </a:solidFill>
+                <a:latin typeface="Lucida Console" panose="020B0609040504020204" pitchFamily="49" charset="0"/>
+              </a:rPr>
+              <a:t>управлять доступом к </a:t>
+            </a:r>
+            <a:r>
+              <a:rPr lang="ru-RU" sz="2800" dirty="0" smtClean="0">
+                <a:solidFill>
+                  <a:srgbClr val="0088CC"/>
+                </a:solidFill>
+                <a:latin typeface="Lucida Console" panose="020B0609040504020204" pitchFamily="49" charset="0"/>
+              </a:rPr>
+              <a:t>объекту - отложенное </a:t>
+            </a:r>
+            <a:r>
+              <a:rPr lang="ru-RU" sz="2800" dirty="0">
+                <a:solidFill>
+                  <a:srgbClr val="0088CC"/>
+                </a:solidFill>
+                <a:latin typeface="Lucida Console" panose="020B0609040504020204" pitchFamily="49" charset="0"/>
+              </a:rPr>
+              <a:t>создание и </a:t>
+            </a:r>
+            <a:r>
+              <a:rPr lang="ru-RU" sz="2800" dirty="0" smtClean="0">
+                <a:solidFill>
+                  <a:srgbClr val="0088CC"/>
+                </a:solidFill>
+                <a:latin typeface="Lucida Console" panose="020B0609040504020204" pitchFamily="49" charset="0"/>
+              </a:rPr>
+              <a:t>инициализация.</a:t>
+            </a:r>
+          </a:p>
+          <a:p>
+            <a:pPr marL="447675" indent="-447675" algn="l">
+              <a:buAutoNum type="arabicPeriod"/>
+            </a:pPr>
+            <a:endParaRPr lang="ru-RU" sz="2800" dirty="0">
+              <a:solidFill>
+                <a:srgbClr val="0088CC"/>
+              </a:solidFill>
+              <a:latin typeface="Lucida Console" panose="020B0609040504020204" pitchFamily="49" charset="0"/>
+            </a:endParaRPr>
+          </a:p>
+          <a:p>
+            <a:pPr marL="447675" indent="-447675" algn="l">
+              <a:buFont typeface="+mj-lt"/>
+              <a:buAutoNum type="arabicPeriod"/>
+            </a:pPr>
+            <a:r>
+              <a:rPr lang="ru-RU" sz="2800" dirty="0" smtClean="0">
+                <a:solidFill>
+                  <a:srgbClr val="0088CC"/>
+                </a:solidFill>
+                <a:latin typeface="Lucida Console" panose="020B0609040504020204" pitchFamily="49" charset="0"/>
+              </a:rPr>
+              <a:t>Затраты </a:t>
+            </a:r>
+            <a:r>
+              <a:rPr lang="ru-RU" sz="2800" dirty="0">
+                <a:solidFill>
+                  <a:srgbClr val="0088CC"/>
+                </a:solidFill>
+                <a:latin typeface="Lucida Console" panose="020B0609040504020204" pitchFamily="49" charset="0"/>
+              </a:rPr>
+              <a:t>на </a:t>
+            </a:r>
+            <a:r>
+              <a:rPr lang="ru-RU" sz="2800" dirty="0" smtClean="0">
+                <a:solidFill>
+                  <a:srgbClr val="0088CC"/>
+                </a:solidFill>
+                <a:latin typeface="Lucida Console" panose="020B0609040504020204" pitchFamily="49" charset="0"/>
+              </a:rPr>
+              <a:t>создание могут быть велики</a:t>
+            </a:r>
+          </a:p>
+          <a:p>
+            <a:pPr marL="447675" indent="-447675" algn="l">
+              <a:buFont typeface="+mj-lt"/>
+              <a:buAutoNum type="arabicPeriod"/>
+            </a:pPr>
+            <a:endParaRPr lang="ru-RU" sz="2800" dirty="0">
+              <a:solidFill>
+                <a:srgbClr val="0088CC"/>
+              </a:solidFill>
+              <a:latin typeface="Lucida Console" panose="020B0609040504020204" pitchFamily="49" charset="0"/>
+            </a:endParaRPr>
+          </a:p>
+          <a:p>
+            <a:pPr marL="447675" indent="-447675" algn="l">
+              <a:buFont typeface="+mj-lt"/>
+              <a:buAutoNum type="arabicPeriod"/>
+            </a:pPr>
+            <a:r>
+              <a:rPr lang="ru-RU" sz="2800" dirty="0" smtClean="0">
+                <a:solidFill>
+                  <a:srgbClr val="0088CC"/>
+                </a:solidFill>
+                <a:latin typeface="Lucida Console" panose="020B0609040504020204" pitchFamily="49" charset="0"/>
+              </a:rPr>
+              <a:t>Необходимо </a:t>
+            </a:r>
+            <a:r>
+              <a:rPr lang="ru-RU" sz="2800" dirty="0">
+                <a:solidFill>
+                  <a:srgbClr val="0088CC"/>
+                </a:solidFill>
+                <a:latin typeface="Lucida Console" panose="020B0609040504020204" pitchFamily="49" charset="0"/>
+              </a:rPr>
+              <a:t>избегать создания сложных объектов</a:t>
+            </a:r>
+          </a:p>
+          <a:p>
+            <a:pPr marL="447675" indent="-447675" algn="l">
+              <a:buFont typeface="+mj-lt"/>
+              <a:buAutoNum type="arabicPeriod"/>
+            </a:pPr>
+            <a:endParaRPr lang="ru-RU" sz="2800" dirty="0">
+              <a:solidFill>
+                <a:srgbClr val="0088CC"/>
+              </a:solidFill>
+              <a:latin typeface="Lucida Console" panose="020B0609040504020204" pitchFamily="49" charset="0"/>
+            </a:endParaRPr>
+          </a:p>
+        </p:txBody>
+      </p:sp>
+    </p:spTree>
+    <p:extLst>
+      <p:ext uri="{BB962C8B-B14F-4D97-AF65-F5344CB8AC3E}">
+        <p14:creationId xmlns:p14="http://schemas.microsoft.com/office/powerpoint/2010/main" val="3466663685"/>
+      </p:ext>
+    </p:extLst>
+  </p:cSld>
+  <p:clrMapOvr>
+    <a:masterClrMapping/>
+  </p:clrMapOvr>
+  <p:timing>
+    <p:tnLst>
+      <p:par>
+        <p:cTn id="1" dur="indefinite" restart="never" nodeType="tmRoot"/>
+      </p:par>
+    </p:tnLst>
+  </p:timing>
+</p:sld>
+</file>
+
+<file path=ppt/slides/slide4.xml><?xml version="1.0" encoding="utf-8"?>
+<p:sld xmlns:a="http://schemas.openxmlformats.org/drawingml/2006/main" xmlns:r="http://schemas.openxmlformats.org/officeDocument/2006/relationships" xmlns:p="http://schemas.openxmlformats.org/presentationml/2006/main">
+  <p:cSld>
+    <p:spTree>
+      <p:nvGrpSpPr>
+        <p:cNvPr id="1" name=""/>
+        <p:cNvGrpSpPr/>
+        <p:nvPr/>
+      </p:nvGrpSpPr>
+      <p:grpSpPr>
+        <a:xfrm>
+          <a:off x="0" y="0"/>
+          <a:ext cx="0" cy="0"/>
+          <a:chOff x="0" y="0"/>
+          <a:chExt cx="0" cy="0"/>
+        </a:xfrm>
+      </p:grpSpPr>
+      <p:sp>
+        <p:nvSpPr>
+          <p:cNvPr id="2" name="Заголовок 1"/>
+          <p:cNvSpPr>
+            <a:spLocks noGrp="1"/>
+          </p:cNvSpPr>
+          <p:nvPr>
+            <p:ph type="ctrTitle"/>
+          </p:nvPr>
+        </p:nvSpPr>
+        <p:spPr>
+          <a:xfrm>
+            <a:off x="682218" y="1"/>
+            <a:ext cx="7772400" cy="548680"/>
+          </a:xfrm>
+        </p:spPr>
+        <p:txBody>
+          <a:bodyPr>
+            <a:normAutofit fontScale="90000"/>
+          </a:bodyPr>
+          <a:lstStyle/>
+          <a:p>
+            <a:r>
+              <a:rPr lang="ru-RU" b="1" dirty="0" smtClean="0">
+                <a:solidFill>
+                  <a:srgbClr val="0088CC"/>
+                </a:solidFill>
+                <a:latin typeface="Lucida Console" panose="020B0609040504020204" pitchFamily="49" charset="0"/>
+              </a:rPr>
+              <a:t>ТЕЗИСЫ</a:t>
+            </a:r>
+            <a:endParaRPr lang="ru-RU" b="1" dirty="0">
+              <a:solidFill>
+                <a:srgbClr val="0088CC"/>
+              </a:solidFill>
+              <a:latin typeface="Lucida Console" panose="020B0609040504020204" pitchFamily="49" charset="0"/>
+            </a:endParaRPr>
+          </a:p>
+        </p:txBody>
+      </p:sp>
+      <p:sp>
+        <p:nvSpPr>
+          <p:cNvPr id="3" name="Подзаголовок 2"/>
+          <p:cNvSpPr>
+            <a:spLocks noGrp="1"/>
+          </p:cNvSpPr>
+          <p:nvPr>
+            <p:ph type="subTitle" idx="1"/>
+          </p:nvPr>
+        </p:nvSpPr>
+        <p:spPr>
+          <a:xfrm>
+            <a:off x="251520" y="764704"/>
+            <a:ext cx="8640960" cy="5544616"/>
+          </a:xfrm>
+        </p:spPr>
+        <p:txBody>
+          <a:bodyPr>
+            <a:noAutofit/>
+          </a:bodyPr>
+          <a:lstStyle/>
+          <a:p>
+            <a:pPr marL="625475" indent="-625475" algn="l"/>
+            <a:r>
+              <a:rPr lang="ru-RU" sz="2800" dirty="0" smtClean="0">
+                <a:solidFill>
+                  <a:srgbClr val="0088CC"/>
+                </a:solidFill>
+                <a:latin typeface="Lucida Console" panose="020B0609040504020204" pitchFamily="49" charset="0"/>
+              </a:rPr>
+              <a:t>4. Необходимо использовать «другой» объект - заместитель</a:t>
+            </a:r>
+          </a:p>
+          <a:p>
+            <a:pPr marL="625475" indent="-625475" algn="l"/>
+            <a:endParaRPr lang="ru-RU" sz="2800" dirty="0" smtClean="0">
+              <a:solidFill>
+                <a:srgbClr val="0088CC"/>
+              </a:solidFill>
+              <a:latin typeface="Lucida Console" panose="020B0609040504020204" pitchFamily="49" charset="0"/>
+            </a:endParaRPr>
+          </a:p>
+          <a:p>
+            <a:pPr marL="625475" indent="-625475" algn="l"/>
+            <a:r>
+              <a:rPr lang="ru-RU" sz="2800" dirty="0" smtClean="0">
+                <a:solidFill>
+                  <a:srgbClr val="0088CC"/>
+                </a:solidFill>
+                <a:latin typeface="Lucida Console" panose="020B0609040504020204" pitchFamily="49" charset="0"/>
+              </a:rPr>
+              <a:t>5. Заместитель </a:t>
+            </a:r>
+            <a:r>
+              <a:rPr lang="ru-RU" sz="2800" dirty="0">
+                <a:solidFill>
+                  <a:srgbClr val="0088CC"/>
+                </a:solidFill>
+                <a:latin typeface="Lucida Console" panose="020B0609040504020204" pitchFamily="49" charset="0"/>
+              </a:rPr>
+              <a:t>- ведет себя точно также, как и реальный </a:t>
+            </a:r>
+            <a:r>
+              <a:rPr lang="ru-RU" sz="2800" dirty="0" smtClean="0">
+                <a:solidFill>
+                  <a:srgbClr val="0088CC"/>
+                </a:solidFill>
+                <a:latin typeface="Lucida Console" panose="020B0609040504020204" pitchFamily="49" charset="0"/>
+              </a:rPr>
+              <a:t>объект</a:t>
+            </a:r>
+            <a:endParaRPr lang="ru-RU" sz="2800" dirty="0">
+              <a:solidFill>
+                <a:srgbClr val="0088CC"/>
+              </a:solidFill>
+              <a:latin typeface="Lucida Console" panose="020B0609040504020204" pitchFamily="49" charset="0"/>
+            </a:endParaRPr>
+          </a:p>
+        </p:txBody>
+      </p:sp>
+    </p:spTree>
+    <p:extLst>
+      <p:ext uri="{BB962C8B-B14F-4D97-AF65-F5344CB8AC3E}">
+        <p14:creationId xmlns:p14="http://schemas.microsoft.com/office/powerpoint/2010/main" val="238138531"/>
+      </p:ext>
+    </p:extLst>
+  </p:cSld>
+  <p:clrMapOvr>
+    <a:masterClrMapping/>
+  </p:clrMapOvr>
+  <p:timing>
+    <p:tnLst>
+      <p:par>
+        <p:cTn id="1" dur="indefinite" restart="never" nodeType="tmRoot"/>
+      </p:par>
+    </p:tnLst>
+  </p:timing>
+</p:sld>
+</file>
+
+<file path=ppt/slides/slide5.xml><?xml version="1.0" encoding="utf-8"?>
+<p:sld xmlns:a="http://schemas.openxmlformats.org/drawingml/2006/main" xmlns:r="http://schemas.openxmlformats.org/officeDocument/2006/relationships" xmlns:p="http://schemas.openxmlformats.org/presentationml/2006/main">
+  <p:cSld>
+    <p:spTree>
+      <p:nvGrpSpPr>
+        <p:cNvPr id="1" name=""/>
+        <p:cNvGrpSpPr/>
+        <p:nvPr/>
+      </p:nvGrpSpPr>
+      <p:grpSpPr>
+        <a:xfrm>
+          <a:off x="0" y="0"/>
+          <a:ext cx="0" cy="0"/>
+          <a:chOff x="0" y="0"/>
+          <a:chExt cx="0" cy="0"/>
+        </a:xfrm>
+      </p:grpSpPr>
+      <p:sp>
+        <p:nvSpPr>
+          <p:cNvPr id="2" name="Заголовок 1"/>
+          <p:cNvSpPr>
+            <a:spLocks noGrp="1"/>
+          </p:cNvSpPr>
+          <p:nvPr>
+            <p:ph type="ctrTitle"/>
+          </p:nvPr>
+        </p:nvSpPr>
+        <p:spPr>
+          <a:xfrm>
             <a:off x="685800" y="1"/>
             <a:ext cx="7772400" cy="548680"/>
           </a:xfrm>
@@ -5424,290 +7492,6 @@
 </p:sld>
 </file>
 
-<file path=ppt/slides/slide4.xml><?xml version="1.0" encoding="utf-8"?>
-<p:sld xmlns:a="http://schemas.openxmlformats.org/drawingml/2006/main" xmlns:r="http://schemas.openxmlformats.org/officeDocument/2006/relationships" xmlns:p="http://schemas.openxmlformats.org/presentationml/2006/main">
-  <p:cSld>
-    <p:spTree>
-      <p:nvGrpSpPr>
-        <p:cNvPr id="1" name=""/>
-        <p:cNvGrpSpPr/>
-        <p:nvPr/>
-      </p:nvGrpSpPr>
-      <p:grpSpPr>
-        <a:xfrm>
-          <a:off x="0" y="0"/>
-          <a:ext cx="0" cy="0"/>
-          <a:chOff x="0" y="0"/>
-          <a:chExt cx="0" cy="0"/>
-        </a:xfrm>
-      </p:grpSpPr>
-      <p:sp>
-        <p:nvSpPr>
-          <p:cNvPr id="2" name="Заголовок 1"/>
-          <p:cNvSpPr>
-            <a:spLocks noGrp="1"/>
-          </p:cNvSpPr>
-          <p:nvPr>
-            <p:ph type="ctrTitle"/>
-          </p:nvPr>
-        </p:nvSpPr>
-        <p:spPr>
-          <a:xfrm>
-            <a:off x="685800" y="1"/>
-            <a:ext cx="7772400" cy="548680"/>
-          </a:xfrm>
-        </p:spPr>
-        <p:txBody>
-          <a:bodyPr>
-            <a:normAutofit fontScale="90000"/>
-          </a:bodyPr>
-          <a:lstStyle/>
-          <a:p>
-            <a:r>
-              <a:rPr lang="ru-RU" b="1" dirty="0" smtClean="0">
-                <a:solidFill>
-                  <a:srgbClr val="0088CC"/>
-                </a:solidFill>
-                <a:latin typeface="Lucida Console" panose="020B0609040504020204" pitchFamily="49" charset="0"/>
-              </a:rPr>
-              <a:t>ПРИМЕНЕНИЕ</a:t>
-            </a:r>
-            <a:endParaRPr lang="ru-RU" b="1" dirty="0">
-              <a:solidFill>
-                <a:srgbClr val="0088CC"/>
-              </a:solidFill>
-              <a:latin typeface="Lucida Console" panose="020B0609040504020204" pitchFamily="49" charset="0"/>
-            </a:endParaRPr>
-          </a:p>
-        </p:txBody>
-      </p:sp>
-      <p:sp>
-        <p:nvSpPr>
-          <p:cNvPr id="3" name="Подзаголовок 2"/>
-          <p:cNvSpPr>
-            <a:spLocks noGrp="1"/>
-          </p:cNvSpPr>
-          <p:nvPr>
-            <p:ph type="subTitle" idx="1"/>
-          </p:nvPr>
-        </p:nvSpPr>
-        <p:spPr>
-          <a:xfrm>
-            <a:off x="971600" y="1268760"/>
-            <a:ext cx="6400800" cy="2376264"/>
-          </a:xfrm>
-        </p:spPr>
-        <p:txBody>
-          <a:bodyPr>
-            <a:normAutofit/>
-          </a:bodyPr>
-          <a:lstStyle/>
-          <a:p>
-            <a:pPr marL="457200" indent="-457200" algn="l">
-              <a:buFont typeface="+mj-lt"/>
-              <a:buAutoNum type="arabicPeriod"/>
-            </a:pPr>
-            <a:r>
-              <a:rPr lang="ru-RU" sz="3000" dirty="0" smtClean="0">
-                <a:solidFill>
-                  <a:srgbClr val="0088CC"/>
-                </a:solidFill>
-                <a:latin typeface="Lucida Console" panose="020B0609040504020204" pitchFamily="49" charset="0"/>
-              </a:rPr>
-              <a:t>Удаленный заместитель</a:t>
-            </a:r>
-          </a:p>
-          <a:p>
-            <a:pPr marL="457200" indent="-457200" algn="l">
-              <a:buFont typeface="+mj-lt"/>
-              <a:buAutoNum type="arabicPeriod"/>
-            </a:pPr>
-            <a:r>
-              <a:rPr lang="ru-RU" sz="3000" dirty="0" smtClean="0">
-                <a:solidFill>
-                  <a:srgbClr val="0088CC"/>
-                </a:solidFill>
-                <a:latin typeface="Lucida Console" panose="020B0609040504020204" pitchFamily="49" charset="0"/>
-              </a:rPr>
-              <a:t>Виртуальный заместитель</a:t>
-            </a:r>
-          </a:p>
-          <a:p>
-            <a:pPr marL="457200" indent="-457200" algn="l">
-              <a:buFont typeface="+mj-lt"/>
-              <a:buAutoNum type="arabicPeriod"/>
-            </a:pPr>
-            <a:r>
-              <a:rPr lang="ru-RU" sz="3000" dirty="0" smtClean="0">
-                <a:solidFill>
-                  <a:srgbClr val="0088CC"/>
-                </a:solidFill>
-                <a:latin typeface="Lucida Console" panose="020B0609040504020204" pitchFamily="49" charset="0"/>
-              </a:rPr>
-              <a:t>Защищающий заместитель</a:t>
-            </a:r>
-          </a:p>
-          <a:p>
-            <a:pPr marL="457200" indent="-457200" algn="l">
-              <a:buFont typeface="+mj-lt"/>
-              <a:buAutoNum type="arabicPeriod"/>
-            </a:pPr>
-            <a:r>
-              <a:rPr lang="ru-RU" sz="3000" dirty="0" smtClean="0">
-                <a:solidFill>
-                  <a:srgbClr val="0088CC"/>
-                </a:solidFill>
-                <a:latin typeface="Lucida Console" panose="020B0609040504020204" pitchFamily="49" charset="0"/>
-              </a:rPr>
-              <a:t>«Умная» ссылка</a:t>
-            </a:r>
-            <a:endParaRPr lang="ru-RU" sz="3000" dirty="0">
-              <a:solidFill>
-                <a:srgbClr val="0088CC"/>
-              </a:solidFill>
-              <a:latin typeface="Lucida Console" panose="020B0609040504020204" pitchFamily="49" charset="0"/>
-            </a:endParaRPr>
-          </a:p>
-        </p:txBody>
-      </p:sp>
-    </p:spTree>
-    <p:extLst>
-      <p:ext uri="{BB962C8B-B14F-4D97-AF65-F5344CB8AC3E}">
-        <p14:creationId xmlns:p14="http://schemas.microsoft.com/office/powerpoint/2010/main" val="1732418699"/>
-      </p:ext>
-    </p:extLst>
-  </p:cSld>
-  <p:clrMapOvr>
-    <a:masterClrMapping/>
-  </p:clrMapOvr>
-  <p:timing>
-    <p:tnLst>
-      <p:par>
-        <p:cTn id="1" dur="indefinite" restart="never" nodeType="tmRoot"/>
-      </p:par>
-    </p:tnLst>
-  </p:timing>
-</p:sld>
-</file>
-
-<file path=ppt/slides/slide5.xml><?xml version="1.0" encoding="utf-8"?>
-<p:sld xmlns:a="http://schemas.openxmlformats.org/drawingml/2006/main" xmlns:r="http://schemas.openxmlformats.org/officeDocument/2006/relationships" xmlns:p="http://schemas.openxmlformats.org/presentationml/2006/main">
-  <p:cSld>
-    <p:spTree>
-      <p:nvGrpSpPr>
-        <p:cNvPr id="1" name=""/>
-        <p:cNvGrpSpPr/>
-        <p:nvPr/>
-      </p:nvGrpSpPr>
-      <p:grpSpPr>
-        <a:xfrm>
-          <a:off x="0" y="0"/>
-          <a:ext cx="0" cy="0"/>
-          <a:chOff x="0" y="0"/>
-          <a:chExt cx="0" cy="0"/>
-        </a:xfrm>
-      </p:grpSpPr>
-      <p:sp>
-        <p:nvSpPr>
-          <p:cNvPr id="2" name="Заголовок 1"/>
-          <p:cNvSpPr>
-            <a:spLocks noGrp="1"/>
-          </p:cNvSpPr>
-          <p:nvPr>
-            <p:ph type="ctrTitle"/>
-          </p:nvPr>
-        </p:nvSpPr>
-        <p:spPr>
-          <a:xfrm>
-            <a:off x="688032" y="1"/>
-            <a:ext cx="7772400" cy="548680"/>
-          </a:xfrm>
-        </p:spPr>
-        <p:txBody>
-          <a:bodyPr>
-            <a:normAutofit fontScale="90000"/>
-          </a:bodyPr>
-          <a:lstStyle/>
-          <a:p>
-            <a:r>
-              <a:rPr lang="ru-RU" b="1" dirty="0" smtClean="0">
-                <a:solidFill>
-                  <a:srgbClr val="0088CC"/>
-                </a:solidFill>
-                <a:latin typeface="Lucida Console" panose="020B0609040504020204" pitchFamily="49" charset="0"/>
-              </a:rPr>
-              <a:t>УДАЛЕННЫЙ ЗАМЕСТИТЕЛЬ</a:t>
-            </a:r>
-            <a:endParaRPr lang="ru-RU" b="1" dirty="0">
-              <a:solidFill>
-                <a:srgbClr val="0088CC"/>
-              </a:solidFill>
-              <a:latin typeface="Lucida Console" panose="020B0609040504020204" pitchFamily="49" charset="0"/>
-            </a:endParaRPr>
-          </a:p>
-        </p:txBody>
-      </p:sp>
-      <p:sp>
-        <p:nvSpPr>
-          <p:cNvPr id="3" name="Подзаголовок 2"/>
-          <p:cNvSpPr>
-            <a:spLocks noGrp="1"/>
-          </p:cNvSpPr>
-          <p:nvPr>
-            <p:ph type="subTitle" idx="1"/>
-          </p:nvPr>
-        </p:nvSpPr>
-        <p:spPr>
-          <a:xfrm>
-            <a:off x="971600" y="1268760"/>
-            <a:ext cx="7704856" cy="2376264"/>
-          </a:xfrm>
-        </p:spPr>
-        <p:txBody>
-          <a:bodyPr>
-            <a:normAutofit/>
-          </a:bodyPr>
-          <a:lstStyle/>
-          <a:p>
-            <a:pPr algn="l"/>
-            <a:r>
-              <a:rPr lang="ru-RU" sz="3000" dirty="0" smtClean="0">
-                <a:solidFill>
-                  <a:srgbClr val="0088CC"/>
-                </a:solidFill>
-                <a:latin typeface="Lucida Console" panose="020B0609040504020204" pitchFamily="49" charset="0"/>
-              </a:rPr>
-              <a:t>Предоставляет локальный объект вместо реального объекта, находящегося в другом адресном пространстве</a:t>
-            </a:r>
-            <a:endParaRPr lang="ru-RU" sz="3000" dirty="0">
-              <a:solidFill>
-                <a:srgbClr val="0088CC"/>
-              </a:solidFill>
-              <a:latin typeface="Lucida Console" panose="020B0609040504020204" pitchFamily="49" charset="0"/>
-            </a:endParaRPr>
-          </a:p>
-        </p:txBody>
-      </p:sp>
-    </p:spTree>
-    <p:extLst>
-      <p:ext uri="{BB962C8B-B14F-4D97-AF65-F5344CB8AC3E}">
-        <p14:creationId xmlns:p14="http://schemas.microsoft.com/office/powerpoint/2010/main" val="252745478"/>
-      </p:ext>
-    </p:extLst>
-  </p:cSld>
-  <p:clrMapOvr>
-    <a:masterClrMapping/>
-  </p:clrMapOvr>
-  <p:timing>
-    <p:tnLst>
-      <p:par>
-        <p:cTn id="1" dur="indefinite" restart="never" nodeType="tmRoot"/>
-      </p:par>
-    </p:tnLst>
-  </p:timing>
-</p:sld>
-</file>
-
 <file path=ppt/slides/slide6.xml><?xml version="1.0" encoding="utf-8"?>
 <p:sld xmlns:a="http://schemas.openxmlformats.org/drawingml/2006/main" xmlns:r="http://schemas.openxmlformats.org/officeDocument/2006/relationships" xmlns:p="http://schemas.openxmlformats.org/presentationml/2006/main">
   <p:cSld>
@@ -5737,7 +7521,7 @@
         </p:nvSpPr>
         <p:spPr>
           <a:xfrm>
-            <a:off x="688032" y="1"/>
+            <a:off x="685800" y="1"/>
             <a:ext cx="7772400" cy="548680"/>
           </a:xfrm>
         </p:spPr>
@@ -5754,7 +7538,7 @@
                 </a:solidFill>
                 <a:latin typeface="Lucida Console" panose="020B0609040504020204" pitchFamily="49" charset="0"/>
               </a:rPr>
-              <a:t>ПРИМЕР</a:t>
+              <a:t>ПРИМЕНЕНИЕ</a:t>
             </a:r>
             <a:endParaRPr lang="ru-RU" b="1" dirty="0">
               <a:solidFill>
@@ -5767,7 +7551,7 @@
       </p:sp>
       <p:sp>
         <p:nvSpPr>
-          <p:cNvPr id="4" name="Подзаголовок 3"/>
+          <p:cNvPr id="3" name="Подзаголовок 2"/>
           <p:cNvSpPr>
             <a:spLocks noGrp="1"/>
           </p:cNvSpPr>
@@ -5777,504 +7561,87 @@
         </p:nvSpPr>
         <p:spPr>
           <a:xfrm>
-            <a:off x="251520" y="908720"/>
-            <a:ext cx="8640960" cy="5472608"/>
+            <a:off x="251520" y="764704"/>
+            <a:ext cx="8640960" cy="5544616"/>
           </a:xfrm>
         </p:spPr>
         <p:txBody>
           <a:bodyPr>
-            <a:noAutofit/>
+            <a:normAutofit/>
           </a:bodyPr>
           <a:lstStyle/>
           <a:p>
-            <a:pPr algn="l"/>
-            <a:r>
-              <a:rPr lang="en-US" sz="2000" dirty="0" err="1">
-                <a:solidFill>
-                  <a:schemeClr val="tx1"/>
-                </a:solidFill>
-                <a:latin typeface="Lucida Console" panose="020B0609040504020204" pitchFamily="49" charset="0"/>
-              </a:rPr>
-              <a:t>var</a:t>
-            </a:r>
-            <a:r>
-              <a:rPr lang="en-US" sz="2000" dirty="0">
-                <a:solidFill>
-                  <a:schemeClr val="tx1"/>
-                </a:solidFill>
-                <a:latin typeface="Lucida Console" panose="020B0609040504020204" pitchFamily="49" charset="0"/>
-              </a:rPr>
-              <a:t> info = </a:t>
-            </a:r>
-            <a:r>
-              <a:rPr lang="en-US" sz="2000" dirty="0" err="1">
-                <a:solidFill>
-                  <a:schemeClr val="tx1"/>
-                </a:solidFill>
-                <a:latin typeface="Lucida Console" panose="020B0609040504020204" pitchFamily="49" charset="0"/>
-              </a:rPr>
-              <a:t>localStorage.getItem</a:t>
-            </a:r>
-            <a:r>
-              <a:rPr lang="en-US" sz="2000" dirty="0">
-                <a:solidFill>
-                  <a:schemeClr val="tx1"/>
-                </a:solidFill>
-                <a:latin typeface="Lucida Console" panose="020B0609040504020204" pitchFamily="49" charset="0"/>
-              </a:rPr>
-              <a:t>('</a:t>
-            </a:r>
-            <a:r>
-              <a:rPr lang="en-US" sz="2000" dirty="0" err="1">
-                <a:solidFill>
-                  <a:schemeClr val="tx1"/>
-                </a:solidFill>
-                <a:latin typeface="Lucida Console" panose="020B0609040504020204" pitchFamily="49" charset="0"/>
-              </a:rPr>
-              <a:t>user_id</a:t>
-            </a:r>
-            <a:r>
-              <a:rPr lang="en-US" sz="2000" dirty="0">
-                <a:solidFill>
-                  <a:schemeClr val="tx1"/>
-                </a:solidFill>
-                <a:latin typeface="Lucida Console" panose="020B0609040504020204" pitchFamily="49" charset="0"/>
-              </a:rPr>
-              <a:t>_' + </a:t>
-            </a:r>
-            <a:r>
-              <a:rPr lang="en-US" sz="2000" dirty="0" err="1" smtClean="0">
-                <a:solidFill>
-                  <a:schemeClr val="tx1"/>
-                </a:solidFill>
-                <a:latin typeface="Lucida Console" panose="020B0609040504020204" pitchFamily="49" charset="0"/>
-              </a:rPr>
-              <a:t>uid</a:t>
-            </a:r>
-            <a:r>
-              <a:rPr lang="en-US" sz="2000" dirty="0" smtClean="0">
-                <a:solidFill>
-                  <a:schemeClr val="tx1"/>
-                </a:solidFill>
-                <a:latin typeface="Lucida Console" panose="020B0609040504020204" pitchFamily="49" charset="0"/>
-              </a:rPr>
-              <a:t>);</a:t>
-            </a:r>
-          </a:p>
-          <a:p>
-            <a:pPr algn="l"/>
-            <a:r>
-              <a:rPr lang="en-US" sz="2000" dirty="0" smtClean="0">
-                <a:solidFill>
-                  <a:schemeClr val="tx1"/>
-                </a:solidFill>
-                <a:latin typeface="Lucida Console" panose="020B0609040504020204" pitchFamily="49" charset="0"/>
-              </a:rPr>
-              <a:t>if </a:t>
-            </a:r>
-            <a:r>
-              <a:rPr lang="en-US" sz="2000" dirty="0">
-                <a:solidFill>
-                  <a:schemeClr val="tx1"/>
-                </a:solidFill>
-                <a:latin typeface="Lucida Console" panose="020B0609040504020204" pitchFamily="49" charset="0"/>
-              </a:rPr>
-              <a:t>(</a:t>
-            </a:r>
-            <a:r>
-              <a:rPr lang="en-US" sz="2000" dirty="0">
-                <a:solidFill>
-                  <a:srgbClr val="C00000"/>
-                </a:solidFill>
-                <a:latin typeface="Lucida Console" panose="020B0609040504020204" pitchFamily="49" charset="0"/>
-              </a:rPr>
-              <a:t>info</a:t>
-            </a:r>
-            <a:r>
-              <a:rPr lang="en-US" sz="2000" dirty="0">
-                <a:solidFill>
-                  <a:schemeClr val="tx1"/>
-                </a:solidFill>
-                <a:latin typeface="Lucida Console" panose="020B0609040504020204" pitchFamily="49" charset="0"/>
-              </a:rPr>
-              <a:t>) { // </a:t>
-            </a:r>
-            <a:r>
-              <a:rPr lang="ru-RU" sz="2000" dirty="0">
-                <a:solidFill>
-                  <a:schemeClr val="tx1"/>
-                </a:solidFill>
-                <a:latin typeface="Lucida Console" panose="020B0609040504020204" pitchFamily="49" charset="0"/>
-              </a:rPr>
-              <a:t>если есть в </a:t>
-            </a:r>
-            <a:r>
-              <a:rPr lang="en-US" sz="2000" dirty="0" err="1">
-                <a:solidFill>
-                  <a:schemeClr val="tx1"/>
-                </a:solidFill>
-                <a:latin typeface="Lucida Console" panose="020B0609040504020204" pitchFamily="49" charset="0"/>
-              </a:rPr>
-              <a:t>localstorage</a:t>
-            </a:r>
-            <a:endParaRPr lang="en-US" sz="2000" dirty="0">
-              <a:solidFill>
-                <a:schemeClr val="tx1"/>
-              </a:solidFill>
-              <a:latin typeface="Lucida Console" panose="020B0609040504020204" pitchFamily="49" charset="0"/>
-            </a:endParaRPr>
-          </a:p>
-          <a:p>
-            <a:pPr algn="l"/>
-            <a:r>
-              <a:rPr lang="en-US" sz="2000" dirty="0">
+            <a:pPr marL="457200" indent="-457200" algn="l">
+              <a:buFont typeface="+mj-lt"/>
+              <a:buAutoNum type="arabicPeriod"/>
+            </a:pPr>
+            <a:r>
+              <a:rPr lang="ru-RU" sz="3000" dirty="0" smtClean="0">
                 <a:solidFill>
                   <a:srgbClr val="0088CC"/>
                 </a:solidFill>
                 <a:latin typeface="Lucida Console" panose="020B0609040504020204" pitchFamily="49" charset="0"/>
               </a:rPr>
-              <a:t>// </a:t>
-            </a:r>
-            <a:r>
-              <a:rPr lang="ru-RU" sz="2000" dirty="0">
+              <a:t>Удаленный заместитель</a:t>
+            </a:r>
+          </a:p>
+          <a:p>
+            <a:pPr marL="457200" indent="-457200" algn="l">
+              <a:buFont typeface="+mj-lt"/>
+              <a:buAutoNum type="arabicPeriod"/>
+            </a:pPr>
+            <a:r>
+              <a:rPr lang="ru-RU" sz="3000" dirty="0" smtClean="0">
                 <a:solidFill>
                   <a:srgbClr val="0088CC"/>
                 </a:solidFill>
                 <a:latin typeface="Lucida Console" panose="020B0609040504020204" pitchFamily="49" charset="0"/>
               </a:rPr>
-              <a:t>возвращаем информацию о </a:t>
-            </a:r>
-            <a:r>
-              <a:rPr lang="ru-RU" sz="2000" dirty="0" smtClean="0">
+              <a:t>Виртуальный заместитель</a:t>
+            </a:r>
+          </a:p>
+          <a:p>
+            <a:pPr marL="457200" indent="-457200" algn="l">
+              <a:buFont typeface="+mj-lt"/>
+              <a:buAutoNum type="arabicPeriod"/>
+            </a:pPr>
+            <a:r>
+              <a:rPr lang="ru-RU" sz="3000" dirty="0" smtClean="0">
                 <a:solidFill>
                   <a:srgbClr val="0088CC"/>
                 </a:solidFill>
                 <a:latin typeface="Lucida Console" panose="020B0609040504020204" pitchFamily="49" charset="0"/>
               </a:rPr>
-              <a:t>пользователе</a:t>
-            </a:r>
-            <a:r>
-              <a:rPr lang="en-US" sz="2000" dirty="0" smtClean="0">
+              <a:t>Защищающий заместитель</a:t>
+            </a:r>
+          </a:p>
+          <a:p>
+            <a:pPr marL="457200" indent="-457200" algn="l">
+              <a:buFont typeface="+mj-lt"/>
+              <a:buAutoNum type="arabicPeriod"/>
+            </a:pPr>
+            <a:r>
+              <a:rPr lang="ru-RU" sz="3000" dirty="0" smtClean="0">
                 <a:solidFill>
                   <a:srgbClr val="0088CC"/>
                 </a:solidFill>
                 <a:latin typeface="Lucida Console" panose="020B0609040504020204" pitchFamily="49" charset="0"/>
               </a:rPr>
-              <a:t> </a:t>
-            </a:r>
-            <a:r>
-              <a:rPr lang="ru-RU" sz="2000" dirty="0" smtClean="0">
-                <a:solidFill>
-                  <a:srgbClr val="0088CC"/>
-                </a:solidFill>
-                <a:latin typeface="Lucida Console" panose="020B0609040504020204" pitchFamily="49" charset="0"/>
-              </a:rPr>
-              <a:t>из кэша</a:t>
-            </a:r>
-            <a:endParaRPr lang="ru-RU" sz="2000" dirty="0">
+              <a:t>«Умная» ссылка</a:t>
+            </a:r>
+            <a:endParaRPr lang="ru-RU" sz="3000" dirty="0">
               <a:solidFill>
                 <a:srgbClr val="0088CC"/>
               </a:solidFill>
               <a:latin typeface="Lucida Console" panose="020B0609040504020204" pitchFamily="49" charset="0"/>
             </a:endParaRPr>
           </a:p>
-          <a:p>
-            <a:pPr algn="l"/>
-            <a:r>
-              <a:rPr lang="ru-RU" sz="2000" dirty="0">
-                <a:solidFill>
-                  <a:schemeClr val="tx1"/>
-                </a:solidFill>
-                <a:latin typeface="Lucida Console" panose="020B0609040504020204" pitchFamily="49" charset="0"/>
-              </a:rPr>
-              <a:t>  </a:t>
-            </a:r>
-            <a:r>
-              <a:rPr lang="en-US" sz="2000" dirty="0">
-                <a:solidFill>
-                  <a:schemeClr val="tx1"/>
-                </a:solidFill>
-                <a:latin typeface="Lucida Console" panose="020B0609040504020204" pitchFamily="49" charset="0"/>
-              </a:rPr>
-              <a:t>return </a:t>
-            </a:r>
-            <a:r>
-              <a:rPr lang="en-US" sz="2000" dirty="0">
-                <a:solidFill>
-                  <a:srgbClr val="C00000"/>
-                </a:solidFill>
-                <a:latin typeface="Lucida Console" panose="020B0609040504020204" pitchFamily="49" charset="0"/>
-              </a:rPr>
-              <a:t>info</a:t>
-            </a:r>
-            <a:r>
-              <a:rPr lang="en-US" sz="2000" dirty="0">
-                <a:solidFill>
-                  <a:schemeClr val="tx1"/>
-                </a:solidFill>
-                <a:latin typeface="Lucida Console" panose="020B0609040504020204" pitchFamily="49" charset="0"/>
-              </a:rPr>
-              <a:t>;</a:t>
-            </a:r>
-          </a:p>
-          <a:p>
-            <a:pPr algn="l"/>
-            <a:r>
-              <a:rPr lang="en-US" sz="2000" dirty="0">
-                <a:solidFill>
-                  <a:schemeClr val="tx1"/>
-                </a:solidFill>
-                <a:latin typeface="Lucida Console" panose="020B0609040504020204" pitchFamily="49" charset="0"/>
-              </a:rPr>
-              <a:t>}</a:t>
-            </a:r>
-          </a:p>
-          <a:p>
-            <a:pPr algn="l"/>
-            <a:r>
-              <a:rPr lang="en-US" sz="2000" dirty="0">
-                <a:solidFill>
-                  <a:srgbClr val="0088CC"/>
-                </a:solidFill>
-                <a:latin typeface="Lucida Console" panose="020B0609040504020204" pitchFamily="49" charset="0"/>
-              </a:rPr>
-              <a:t>// </a:t>
-            </a:r>
-            <a:r>
-              <a:rPr lang="ru-RU" sz="2000" dirty="0">
-                <a:solidFill>
-                  <a:srgbClr val="0088CC"/>
-                </a:solidFill>
-                <a:latin typeface="Lucida Console" panose="020B0609040504020204" pitchFamily="49" charset="0"/>
-              </a:rPr>
-              <a:t>запрос в БД идет только в том случае, если нет кэша</a:t>
-            </a:r>
-          </a:p>
-          <a:p>
-            <a:pPr algn="l"/>
-            <a:r>
-              <a:rPr lang="ru-RU" sz="2000" dirty="0">
-                <a:solidFill>
-                  <a:schemeClr val="tx1"/>
-                </a:solidFill>
-                <a:latin typeface="Lucida Console" panose="020B0609040504020204" pitchFamily="49" charset="0"/>
-              </a:rPr>
-              <a:t>$.</a:t>
-            </a:r>
-            <a:r>
-              <a:rPr lang="en-US" sz="2000" dirty="0">
-                <a:solidFill>
-                  <a:schemeClr val="tx1"/>
-                </a:solidFill>
-                <a:latin typeface="Lucida Console" panose="020B0609040504020204" pitchFamily="49" charset="0"/>
-              </a:rPr>
-              <a:t>ajax({/*some </a:t>
-            </a:r>
-            <a:r>
-              <a:rPr lang="en-US" sz="2000" dirty="0" err="1">
-                <a:solidFill>
-                  <a:schemeClr val="tx1"/>
-                </a:solidFill>
-                <a:latin typeface="Lucida Console" panose="020B0609040504020204" pitchFamily="49" charset="0"/>
-              </a:rPr>
-              <a:t>config</a:t>
-            </a:r>
-            <a:r>
-              <a:rPr lang="en-US" sz="2000" dirty="0">
-                <a:solidFill>
-                  <a:schemeClr val="tx1"/>
-                </a:solidFill>
-                <a:latin typeface="Lucida Console" panose="020B0609040504020204" pitchFamily="49" charset="0"/>
-              </a:rPr>
-              <a:t>*/, success: function(data) {</a:t>
-            </a:r>
-          </a:p>
-          <a:p>
-            <a:pPr algn="l"/>
-            <a:r>
-              <a:rPr lang="en-US" sz="2000" dirty="0">
-                <a:solidFill>
-                  <a:schemeClr val="tx1"/>
-                </a:solidFill>
-                <a:latin typeface="Lucida Console" panose="020B0609040504020204" pitchFamily="49" charset="0"/>
-              </a:rPr>
-              <a:t>                        </a:t>
-            </a:r>
-            <a:r>
-              <a:rPr lang="en-US" sz="2000" dirty="0">
-                <a:solidFill>
-                  <a:srgbClr val="C00000"/>
-                </a:solidFill>
-                <a:latin typeface="Lucida Console" panose="020B0609040504020204" pitchFamily="49" charset="0"/>
-              </a:rPr>
-              <a:t>info</a:t>
-            </a:r>
-            <a:r>
-              <a:rPr lang="en-US" sz="2000" dirty="0">
-                <a:solidFill>
-                  <a:schemeClr val="tx1"/>
-                </a:solidFill>
-                <a:latin typeface="Lucida Console" panose="020B0609040504020204" pitchFamily="49" charset="0"/>
-              </a:rPr>
-              <a:t> = </a:t>
-            </a:r>
-            <a:r>
-              <a:rPr lang="en-US" sz="2000" dirty="0" err="1">
-                <a:solidFill>
-                  <a:schemeClr val="tx1"/>
-                </a:solidFill>
-                <a:latin typeface="Lucida Console" panose="020B0609040504020204" pitchFamily="49" charset="0"/>
-              </a:rPr>
-              <a:t>JSON.stringify</a:t>
-            </a:r>
-            <a:r>
-              <a:rPr lang="en-US" sz="2000" dirty="0">
-                <a:solidFill>
-                  <a:schemeClr val="tx1"/>
-                </a:solidFill>
-                <a:latin typeface="Lucida Console" panose="020B0609040504020204" pitchFamily="49" charset="0"/>
-              </a:rPr>
-              <a:t>(data);</a:t>
-            </a:r>
-          </a:p>
-          <a:p>
-            <a:pPr algn="l"/>
-            <a:r>
-              <a:rPr lang="en-US" sz="2000" dirty="0">
-                <a:solidFill>
-                  <a:schemeClr val="tx1"/>
-                </a:solidFill>
-                <a:latin typeface="Lucida Console" panose="020B0609040504020204" pitchFamily="49" charset="0"/>
-              </a:rPr>
-              <a:t>// </a:t>
-            </a:r>
-            <a:r>
-              <a:rPr lang="ru-RU" sz="2000" dirty="0">
-                <a:solidFill>
-                  <a:schemeClr val="tx1"/>
-                </a:solidFill>
-                <a:latin typeface="Lucida Console" panose="020B0609040504020204" pitchFamily="49" charset="0"/>
-              </a:rPr>
-              <a:t>кэшируем полученную информацию в </a:t>
-            </a:r>
-            <a:r>
-              <a:rPr lang="en-US" sz="2000" dirty="0" err="1">
-                <a:solidFill>
-                  <a:schemeClr val="tx1"/>
-                </a:solidFill>
-                <a:latin typeface="Lucida Console" panose="020B0609040504020204" pitchFamily="49" charset="0"/>
-              </a:rPr>
-              <a:t>localStorage</a:t>
-            </a:r>
-            <a:endParaRPr lang="en-US" sz="2000" dirty="0">
-              <a:solidFill>
-                <a:schemeClr val="tx1"/>
-              </a:solidFill>
-              <a:latin typeface="Lucida Console" panose="020B0609040504020204" pitchFamily="49" charset="0"/>
-            </a:endParaRPr>
-          </a:p>
-          <a:p>
-            <a:pPr algn="l"/>
-            <a:r>
-              <a:rPr lang="en-US" sz="2000" dirty="0">
-                <a:solidFill>
-                  <a:schemeClr val="tx1"/>
-                </a:solidFill>
-                <a:latin typeface="Lucida Console" panose="020B0609040504020204" pitchFamily="49" charset="0"/>
-              </a:rPr>
-              <a:t>                        </a:t>
-            </a:r>
-            <a:r>
-              <a:rPr lang="en-US" sz="2000" dirty="0" err="1">
-                <a:solidFill>
-                  <a:schemeClr val="tx1"/>
-                </a:solidFill>
-                <a:latin typeface="Lucida Console" panose="020B0609040504020204" pitchFamily="49" charset="0"/>
-              </a:rPr>
-              <a:t>tmp_this.cacheUserInfo</a:t>
-            </a:r>
-            <a:r>
-              <a:rPr lang="en-US" sz="2000" dirty="0">
-                <a:solidFill>
-                  <a:schemeClr val="tx1"/>
-                </a:solidFill>
-                <a:latin typeface="Lucida Console" panose="020B0609040504020204" pitchFamily="49" charset="0"/>
-              </a:rPr>
-              <a:t>(data.id, info);</a:t>
-            </a:r>
-          </a:p>
-          <a:p>
-            <a:pPr algn="l"/>
-            <a:r>
-              <a:rPr lang="en-US" sz="2000" dirty="0">
-                <a:solidFill>
-                  <a:schemeClr val="tx1"/>
-                </a:solidFill>
-                <a:latin typeface="Lucida Console" panose="020B0609040504020204" pitchFamily="49" charset="0"/>
-              </a:rPr>
-              <a:t>                        return </a:t>
-            </a:r>
-            <a:r>
-              <a:rPr lang="en-US" sz="2000" dirty="0">
-                <a:solidFill>
-                  <a:srgbClr val="C00000"/>
-                </a:solidFill>
-                <a:latin typeface="Lucida Console" panose="020B0609040504020204" pitchFamily="49" charset="0"/>
-              </a:rPr>
-              <a:t>info</a:t>
-            </a:r>
-            <a:r>
-              <a:rPr lang="en-US" sz="2000" dirty="0">
-                <a:solidFill>
-                  <a:schemeClr val="tx1"/>
-                </a:solidFill>
-                <a:latin typeface="Lucida Console" panose="020B0609040504020204" pitchFamily="49" charset="0"/>
-              </a:rPr>
-              <a:t>;</a:t>
-            </a:r>
-          </a:p>
-          <a:p>
-            <a:pPr algn="l"/>
-            <a:r>
-              <a:rPr lang="en-US" sz="2000" dirty="0">
-                <a:solidFill>
-                  <a:schemeClr val="tx1"/>
-                </a:solidFill>
-                <a:latin typeface="Lucida Console" panose="020B0609040504020204" pitchFamily="49" charset="0"/>
-              </a:rPr>
-              <a:t>                      }</a:t>
-            </a:r>
-          </a:p>
-          <a:p>
-            <a:pPr algn="l"/>
-            <a:r>
-              <a:rPr lang="en-US" sz="2000" dirty="0">
-                <a:solidFill>
-                  <a:schemeClr val="tx1"/>
-                </a:solidFill>
-                <a:latin typeface="Lucida Console" panose="020B0609040504020204" pitchFamily="49" charset="0"/>
-              </a:rPr>
-              <a:t>                    });</a:t>
-            </a:r>
-          </a:p>
-          <a:p>
-            <a:pPr algn="l"/>
-            <a:r>
-              <a:rPr lang="en-US" sz="2000" dirty="0">
-                <a:solidFill>
-                  <a:schemeClr val="tx1"/>
-                </a:solidFill>
-                <a:latin typeface="Lucida Console" panose="020B0609040504020204" pitchFamily="49" charset="0"/>
-              </a:rPr>
-              <a:t>                  },</a:t>
-            </a:r>
-          </a:p>
         </p:txBody>
       </p:sp>
     </p:spTree>
     <p:extLst>
       <p:ext uri="{BB962C8B-B14F-4D97-AF65-F5344CB8AC3E}">
-        <p14:creationId xmlns:p14="http://schemas.microsoft.com/office/powerpoint/2010/main" val="3871982651"/>
+        <p14:creationId xmlns:p14="http://schemas.microsoft.com/office/powerpoint/2010/main" val="1732418699"/>
       </p:ext>
     </p:extLst>
   </p:cSld>
@@ -6320,8 +7687,8 @@
         </p:nvSpPr>
         <p:spPr>
           <a:xfrm>
-            <a:off x="685800" y="1421"/>
-            <a:ext cx="7772400" cy="547260"/>
+            <a:off x="688032" y="1"/>
+            <a:ext cx="7772400" cy="548680"/>
           </a:xfrm>
         </p:spPr>
         <p:txBody>
@@ -6337,7 +7704,7 @@
                 </a:solidFill>
                 <a:latin typeface="Lucida Console" panose="020B0609040504020204" pitchFamily="49" charset="0"/>
               </a:rPr>
-              <a:t>ВИРТУАЛЬНЫЙ ЗАМЕСТИТЕЛЬ</a:t>
+              <a:t>УДАЛЕННЫЙ ЗАМЕСТИТЕЛЬ</a:t>
             </a:r>
             <a:endParaRPr lang="ru-RU" b="1" dirty="0">
               <a:solidFill>
@@ -6360,13 +7727,13 @@
         </p:nvSpPr>
         <p:spPr>
           <a:xfrm>
-            <a:off x="971600" y="1268760"/>
-            <a:ext cx="6768752" cy="720080"/>
+            <a:off x="251520" y="836712"/>
+            <a:ext cx="8640960" cy="5472608"/>
           </a:xfrm>
         </p:spPr>
         <p:txBody>
           <a:bodyPr>
-            <a:noAutofit/>
+            <a:normAutofit/>
           </a:bodyPr>
           <a:lstStyle/>
           <a:p>
@@ -6378,7 +7745,7 @@
                 </a:solidFill>
                 <a:latin typeface="Lucida Console" panose="020B0609040504020204" pitchFamily="49" charset="0"/>
               </a:rPr>
-              <a:t>Создает «тяжелые» объекты по требованию</a:t>
+              <a:t>Предоставляет локальный объект вместо реального объекта, находящегося в другом адресном пространстве</a:t>
             </a:r>
             <a:endParaRPr lang="ru-RU" sz="3000" dirty="0">
               <a:solidFill>
@@ -6392,7 +7759,7 @@
     </p:spTree>
     <p:extLst>
       <p:ext uri="{BB962C8B-B14F-4D97-AF65-F5344CB8AC3E}">
-        <p14:creationId xmlns:p14="http://schemas.microsoft.com/office/powerpoint/2010/main" val="949163517"/>
+        <p14:creationId xmlns:p14="http://schemas.microsoft.com/office/powerpoint/2010/main" val="252745478"/>
       </p:ext>
     </p:extLst>
   </p:cSld>
@@ -6438,8 +7805,8 @@
         </p:nvSpPr>
         <p:spPr>
           <a:xfrm>
-            <a:off x="685800" y="1421"/>
-            <a:ext cx="7772400" cy="547260"/>
+            <a:off x="688032" y="1"/>
+            <a:ext cx="7772400" cy="548680"/>
           </a:xfrm>
         </p:spPr>
         <p:txBody>
@@ -6455,7 +7822,7 @@
                 </a:solidFill>
                 <a:latin typeface="Lucida Console" panose="020B0609040504020204" pitchFamily="49" charset="0"/>
               </a:rPr>
-              <a:t>ПРИМЕР</a:t>
+              <a:t>ЗАДАЧИ</a:t>
             </a:r>
             <a:endParaRPr lang="ru-RU" b="1" dirty="0">
               <a:solidFill>
@@ -6478,381 +7845,58 @@
         </p:nvSpPr>
         <p:spPr>
           <a:xfrm>
-            <a:off x="251520" y="836712"/>
-            <a:ext cx="8640960" cy="5472608"/>
+            <a:off x="971600" y="1268760"/>
+            <a:ext cx="7704856" cy="2376264"/>
           </a:xfrm>
         </p:spPr>
         <p:txBody>
           <a:bodyPr>
-            <a:noAutofit/>
+            <a:normAutofit/>
           </a:bodyPr>
           <a:lstStyle/>
           <a:p>
-            <a:pPr algn="l"/>
-            <a:r>
-              <a:rPr lang="en-US" sz="2000" dirty="0">
-                <a:solidFill>
-                  <a:schemeClr val="tx1"/>
-                </a:solidFill>
-                <a:latin typeface="Lucida Console" panose="020B0609040504020204" pitchFamily="49" charset="0"/>
-              </a:rPr>
-              <a:t>if (</a:t>
-            </a:r>
-            <a:r>
-              <a:rPr lang="en-US" sz="2000" dirty="0" err="1">
-                <a:solidFill>
-                  <a:schemeClr val="tx1"/>
-                </a:solidFill>
-                <a:latin typeface="Lucida Console" panose="020B0609040504020204" pitchFamily="49" charset="0"/>
-              </a:rPr>
-              <a:t>scrollTop</a:t>
-            </a:r>
-            <a:r>
-              <a:rPr lang="en-US" sz="2000" dirty="0">
-                <a:solidFill>
-                  <a:schemeClr val="tx1"/>
-                </a:solidFill>
-                <a:latin typeface="Lucida Console" panose="020B0609040504020204" pitchFamily="49" charset="0"/>
-              </a:rPr>
-              <a:t> + </a:t>
-            </a:r>
-            <a:r>
-              <a:rPr lang="en-US" sz="2000" dirty="0" err="1">
-                <a:solidFill>
-                  <a:schemeClr val="tx1"/>
-                </a:solidFill>
-                <a:latin typeface="Lucida Console" panose="020B0609040504020204" pitchFamily="49" charset="0"/>
-              </a:rPr>
-              <a:t>windowHeight</a:t>
-            </a:r>
-            <a:r>
-              <a:rPr lang="en-US" sz="2000" dirty="0">
-                <a:solidFill>
-                  <a:schemeClr val="tx1"/>
-                </a:solidFill>
-                <a:latin typeface="Lucida Console" panose="020B0609040504020204" pitchFamily="49" charset="0"/>
-              </a:rPr>
-              <a:t> &gt;= </a:t>
-            </a:r>
-            <a:r>
-              <a:rPr lang="en-US" sz="2000" dirty="0" err="1">
-                <a:solidFill>
-                  <a:schemeClr val="tx1"/>
-                </a:solidFill>
-                <a:latin typeface="Lucida Console" panose="020B0609040504020204" pitchFamily="49" charset="0"/>
-              </a:rPr>
-              <a:t>elementOffsetTop</a:t>
-            </a:r>
-            <a:r>
-              <a:rPr lang="en-US" sz="2000" dirty="0">
-                <a:solidFill>
-                  <a:schemeClr val="tx1"/>
-                </a:solidFill>
-                <a:latin typeface="Lucida Console" panose="020B0609040504020204" pitchFamily="49" charset="0"/>
-              </a:rPr>
-              <a:t>) { </a:t>
-            </a:r>
-            <a:endParaRPr lang="ru-RU" sz="2000" dirty="0">
-              <a:solidFill>
-                <a:schemeClr val="tx1"/>
-              </a:solidFill>
-              <a:latin typeface="Lucida Console" panose="020B0609040504020204" pitchFamily="49" charset="0"/>
-            </a:endParaRPr>
-          </a:p>
-          <a:p>
-            <a:pPr algn="l"/>
-            <a:r>
-              <a:rPr lang="ru-RU" sz="2000" dirty="0" smtClean="0">
-                <a:solidFill>
-                  <a:schemeClr val="tx1"/>
-                </a:solidFill>
-                <a:latin typeface="Lucida Console" panose="020B0609040504020204" pitchFamily="49" charset="0"/>
-              </a:rPr>
-              <a:t>  </a:t>
-            </a:r>
-            <a:r>
-              <a:rPr lang="en-US" sz="2000" dirty="0" smtClean="0">
+            <a:pPr marL="514350" indent="-514350" algn="l">
+              <a:buAutoNum type="arabicPeriod"/>
+            </a:pPr>
+            <a:r>
+              <a:rPr lang="ru-RU" sz="3000" dirty="0" smtClean="0">
                 <a:solidFill>
                   <a:srgbClr val="0088CC"/>
                 </a:solidFill>
                 <a:latin typeface="Lucida Console" panose="020B0609040504020204" pitchFamily="49" charset="0"/>
               </a:rPr>
-              <a:t>// </a:t>
-            </a:r>
-            <a:r>
-              <a:rPr lang="ru-RU" sz="2000" dirty="0">
+              <a:t>Возможность приложения работать </a:t>
+            </a:r>
+            <a:r>
+              <a:rPr lang="en-US" sz="3000" dirty="0" smtClean="0">
                 <a:solidFill>
                   <a:srgbClr val="0088CC"/>
                 </a:solidFill>
                 <a:latin typeface="Lucida Console" panose="020B0609040504020204" pitchFamily="49" charset="0"/>
               </a:rPr>
-              <a:t>если виртуальный</a:t>
-            </a:r>
-          </a:p>
-          <a:p>
-            <a:pPr algn="l"/>
-            <a:r>
-              <a:rPr lang="ru-RU" sz="2000" dirty="0" smtClean="0">
+              <a:t>offline</a:t>
+            </a:r>
+          </a:p>
+          <a:p>
+            <a:pPr marL="514350" indent="-514350" algn="l">
+              <a:buAutoNum type="arabicPeriod"/>
+            </a:pPr>
+            <a:r>
+              <a:rPr lang="ru-RU" sz="3000" dirty="0" smtClean="0">
                 <a:solidFill>
                   <a:srgbClr val="0088CC"/>
                 </a:solidFill>
                 <a:latin typeface="Lucida Console" panose="020B0609040504020204" pitchFamily="49" charset="0"/>
               </a:rPr>
-              <a:t>  // </a:t>
-            </a:r>
-            <a:r>
-              <a:rPr lang="ru-RU" sz="2000" dirty="0">
-                <a:solidFill>
-                  <a:srgbClr val="0088CC"/>
-                </a:solidFill>
-                <a:latin typeface="Lucida Console" panose="020B0609040504020204" pitchFamily="49" charset="0"/>
-              </a:rPr>
-              <a:t>объект попадает в область видимости, то</a:t>
-            </a:r>
-          </a:p>
-          <a:p>
-            <a:pPr algn="l"/>
-            <a:r>
-              <a:rPr lang="ru-RU" sz="2000" dirty="0" smtClean="0">
-                <a:solidFill>
-                  <a:srgbClr val="0088CC"/>
-                </a:solidFill>
-                <a:latin typeface="Lucida Console" panose="020B0609040504020204" pitchFamily="49" charset="0"/>
-              </a:rPr>
-              <a:t>  // </a:t>
-            </a:r>
-            <a:r>
-              <a:rPr lang="ru-RU" sz="2000" dirty="0">
-                <a:solidFill>
-                  <a:srgbClr val="0088CC"/>
-                </a:solidFill>
-                <a:latin typeface="Lucida Console" panose="020B0609040504020204" pitchFamily="49" charset="0"/>
-              </a:rPr>
-              <a:t>создает реальный объект</a:t>
-            </a:r>
-          </a:p>
-          <a:p>
-            <a:pPr algn="l"/>
-            <a:r>
-              <a:rPr lang="ru-RU" sz="2000" dirty="0" smtClean="0">
-                <a:solidFill>
-                  <a:schemeClr val="tx1"/>
-                </a:solidFill>
-                <a:latin typeface="Lucida Console" panose="020B0609040504020204" pitchFamily="49" charset="0"/>
-              </a:rPr>
-              <a:t>  </a:t>
-            </a:r>
-            <a:r>
-              <a:rPr lang="en-US" sz="2000" dirty="0" err="1" smtClean="0">
-                <a:solidFill>
-                  <a:srgbClr val="C00000"/>
-                </a:solidFill>
-                <a:latin typeface="Lucida Console" panose="020B0609040504020204" pitchFamily="49" charset="0"/>
-              </a:rPr>
-              <a:t>element.attr</a:t>
-            </a:r>
-            <a:r>
-              <a:rPr lang="en-US" sz="2000" dirty="0">
-                <a:solidFill>
-                  <a:srgbClr val="C00000"/>
-                </a:solidFill>
-                <a:latin typeface="Lucida Console" panose="020B0609040504020204" pitchFamily="49" charset="0"/>
-              </a:rPr>
-              <a:t>('</a:t>
-            </a:r>
-            <a:r>
-              <a:rPr lang="en-US" sz="2000" dirty="0" err="1">
-                <a:solidFill>
-                  <a:srgbClr val="C00000"/>
-                </a:solidFill>
-                <a:latin typeface="Lucida Console" panose="020B0609040504020204" pitchFamily="49" charset="0"/>
-              </a:rPr>
-              <a:t>src</a:t>
-            </a:r>
-            <a:r>
-              <a:rPr lang="en-US" sz="2000" dirty="0">
-                <a:solidFill>
-                  <a:srgbClr val="C00000"/>
-                </a:solidFill>
-                <a:latin typeface="Lucida Console" panose="020B0609040504020204" pitchFamily="49" charset="0"/>
-              </a:rPr>
-              <a:t>', </a:t>
-            </a:r>
-            <a:r>
-              <a:rPr lang="en-US" sz="2000" dirty="0" err="1">
-                <a:solidFill>
-                  <a:srgbClr val="C00000"/>
-                </a:solidFill>
-                <a:latin typeface="Lucida Console" panose="020B0609040504020204" pitchFamily="49" charset="0"/>
-              </a:rPr>
-              <a:t>element.attr</a:t>
-            </a:r>
-            <a:r>
-              <a:rPr lang="en-US" sz="2000" dirty="0">
-                <a:solidFill>
-                  <a:srgbClr val="C00000"/>
-                </a:solidFill>
-                <a:latin typeface="Lucida Console" panose="020B0609040504020204" pitchFamily="49" charset="0"/>
-              </a:rPr>
-              <a:t>('data-</a:t>
-            </a:r>
-            <a:r>
-              <a:rPr lang="en-US" sz="2000" dirty="0" err="1">
-                <a:solidFill>
-                  <a:srgbClr val="C00000"/>
-                </a:solidFill>
-                <a:latin typeface="Lucida Console" panose="020B0609040504020204" pitchFamily="49" charset="0"/>
-              </a:rPr>
-              <a:t>src</a:t>
-            </a:r>
-            <a:r>
-              <a:rPr lang="en-US" sz="2000" dirty="0">
-                <a:solidFill>
-                  <a:srgbClr val="C00000"/>
-                </a:solidFill>
-                <a:latin typeface="Lucida Console" panose="020B0609040504020204" pitchFamily="49" charset="0"/>
-              </a:rPr>
-              <a:t>'));</a:t>
-            </a:r>
-          </a:p>
-          <a:p>
-            <a:pPr algn="l"/>
-            <a:r>
-              <a:rPr lang="en-US" sz="2000" dirty="0">
-                <a:solidFill>
-                  <a:schemeClr val="tx1"/>
-                </a:solidFill>
-                <a:latin typeface="Lucida Console" panose="020B0609040504020204" pitchFamily="49" charset="0"/>
-              </a:rPr>
-              <a:t>  </a:t>
-            </a:r>
-            <a:endParaRPr lang="ru-RU" sz="2000" dirty="0" smtClean="0">
-              <a:solidFill>
-                <a:schemeClr val="tx1"/>
-              </a:solidFill>
-              <a:latin typeface="Lucida Console" panose="020B0609040504020204" pitchFamily="49" charset="0"/>
-            </a:endParaRPr>
-          </a:p>
-          <a:p>
-            <a:pPr algn="l"/>
-            <a:r>
-              <a:rPr lang="ru-RU" sz="2000" dirty="0">
-                <a:solidFill>
-                  <a:schemeClr val="tx1"/>
-                </a:solidFill>
-                <a:latin typeface="Lucida Console" panose="020B0609040504020204" pitchFamily="49" charset="0"/>
-              </a:rPr>
-              <a:t> </a:t>
-            </a:r>
-            <a:r>
-              <a:rPr lang="ru-RU" sz="2000" dirty="0" smtClean="0">
-                <a:solidFill>
-                  <a:schemeClr val="tx1"/>
-                </a:solidFill>
-                <a:latin typeface="Lucida Console" panose="020B0609040504020204" pitchFamily="49" charset="0"/>
-              </a:rPr>
-              <a:t> </a:t>
-            </a:r>
-            <a:r>
-              <a:rPr lang="en-US" sz="2000" dirty="0" smtClean="0">
-                <a:solidFill>
-                  <a:schemeClr val="tx1"/>
-                </a:solidFill>
-                <a:latin typeface="Lucida Console" panose="020B0609040504020204" pitchFamily="49" charset="0"/>
-              </a:rPr>
-              <a:t>// </a:t>
-            </a:r>
-            <a:r>
-              <a:rPr lang="ru-RU" sz="2000" dirty="0" err="1">
-                <a:solidFill>
-                  <a:schemeClr val="tx1"/>
-                </a:solidFill>
-                <a:latin typeface="Lucida Console" panose="020B0609040504020204" pitchFamily="49" charset="0"/>
-              </a:rPr>
-              <a:t>удалемя</a:t>
-            </a:r>
-            <a:r>
-              <a:rPr lang="ru-RU" sz="2000" dirty="0">
-                <a:solidFill>
-                  <a:schemeClr val="tx1"/>
-                </a:solidFill>
-                <a:latin typeface="Lucida Console" panose="020B0609040504020204" pitchFamily="49" charset="0"/>
-              </a:rPr>
-              <a:t> информацию о том, что это виртуальный объект.</a:t>
-            </a:r>
-          </a:p>
-          <a:p>
-            <a:pPr algn="l"/>
-            <a:r>
-              <a:rPr lang="ru-RU" sz="2000" dirty="0">
-                <a:solidFill>
-                  <a:schemeClr val="tx1"/>
-                </a:solidFill>
-                <a:latin typeface="Lucida Console" panose="020B0609040504020204" pitchFamily="49" charset="0"/>
-              </a:rPr>
-              <a:t>        </a:t>
-            </a:r>
-            <a:r>
-              <a:rPr lang="en-US" sz="2000" dirty="0" err="1">
-                <a:solidFill>
-                  <a:schemeClr val="tx1"/>
-                </a:solidFill>
-                <a:latin typeface="Lucida Console" panose="020B0609040504020204" pitchFamily="49" charset="0"/>
-              </a:rPr>
-              <a:t>element.removeClass</a:t>
-            </a:r>
-            <a:r>
-              <a:rPr lang="en-US" sz="2000" dirty="0">
-                <a:solidFill>
-                  <a:schemeClr val="tx1"/>
-                </a:solidFill>
-                <a:latin typeface="Lucida Console" panose="020B0609040504020204" pitchFamily="49" charset="0"/>
-              </a:rPr>
-              <a:t>('</a:t>
-            </a:r>
-            <a:r>
-              <a:rPr lang="en-US" sz="2000" dirty="0" err="1">
-                <a:solidFill>
-                  <a:schemeClr val="tx1"/>
-                </a:solidFill>
-                <a:latin typeface="Lucida Console" panose="020B0609040504020204" pitchFamily="49" charset="0"/>
-              </a:rPr>
-              <a:t>preloader</a:t>
-            </a:r>
-            <a:r>
-              <a:rPr lang="en-US" sz="2000" dirty="0">
-                <a:solidFill>
-                  <a:schemeClr val="tx1"/>
-                </a:solidFill>
-                <a:latin typeface="Lucida Console" panose="020B0609040504020204" pitchFamily="49" charset="0"/>
-              </a:rPr>
-              <a:t>');</a:t>
-            </a:r>
-          </a:p>
-          <a:p>
-            <a:pPr algn="l"/>
-            <a:r>
-              <a:rPr lang="en-US" sz="2000" dirty="0">
-                <a:solidFill>
-                  <a:schemeClr val="tx1"/>
-                </a:solidFill>
-                <a:latin typeface="Lucida Console" panose="020B0609040504020204" pitchFamily="49" charset="0"/>
-              </a:rPr>
-              <a:t>      }</a:t>
-            </a:r>
-            <a:endParaRPr lang="ru-RU" sz="2000" dirty="0">
-              <a:solidFill>
-                <a:schemeClr val="tx1"/>
-              </a:solidFill>
-              <a:latin typeface="Lucida Console" panose="020B0609040504020204" pitchFamily="49" charset="0"/>
-            </a:endParaRPr>
+              <a:t>Данные «о себе» (не нужен запрос в БД)</a:t>
+            </a:r>
           </a:p>
         </p:txBody>
       </p:sp>
     </p:spTree>
     <p:extLst>
       <p:ext uri="{BB962C8B-B14F-4D97-AF65-F5344CB8AC3E}">
-        <p14:creationId xmlns:p14="http://schemas.microsoft.com/office/powerpoint/2010/main" val="552925817"/>
+        <p14:creationId xmlns:p14="http://schemas.microsoft.com/office/powerpoint/2010/main" val="282743788"/>
       </p:ext>
     </p:extLst>
   </p:cSld>
@@ -6898,7 +7942,7 @@
         </p:nvSpPr>
         <p:spPr>
           <a:xfrm>
-            <a:off x="683568" y="1"/>
+            <a:off x="688032" y="1"/>
             <a:ext cx="7772400" cy="548680"/>
           </a:xfrm>
         </p:spPr>
@@ -6915,7 +7959,7 @@
                 </a:solidFill>
                 <a:latin typeface="Lucida Console" panose="020B0609040504020204" pitchFamily="49" charset="0"/>
               </a:rPr>
-              <a:t>ЗАЩИЩАЮЩИЙ ЗАМЕСТИТЕЛЬ</a:t>
+              <a:t>РЕАЛИЗАЦИЯ</a:t>
             </a:r>
             <a:endParaRPr lang="ru-RU" b="1" dirty="0">
               <a:solidFill>
@@ -6928,7 +7972,7 @@
       </p:sp>
       <p:sp>
         <p:nvSpPr>
-          <p:cNvPr id="3" name="Подзаголовок 2"/>
+          <p:cNvPr id="4" name="Подзаголовок 3"/>
           <p:cNvSpPr>
             <a:spLocks noGrp="1"/>
           </p:cNvSpPr>
@@ -6938,8 +7982,8 @@
         </p:nvSpPr>
         <p:spPr>
           <a:xfrm>
-            <a:off x="971600" y="1268760"/>
-            <a:ext cx="7704856" cy="1475040"/>
+            <a:off x="251520" y="908720"/>
+            <a:ext cx="8640960" cy="5472608"/>
           </a:xfrm>
         </p:spPr>
         <p:txBody>
@@ -6950,27 +7994,492 @@
           <a:p>
             <a:pPr algn="l"/>
             <a:r>
-              <a:rPr lang="ru-RU" sz="3000" dirty="0" smtClean="0">
+              <a:rPr lang="en-US" sz="2000" dirty="0" err="1">
+                <a:solidFill>
+                  <a:schemeClr val="tx1"/>
+                </a:solidFill>
+                <a:latin typeface="Lucida Console" panose="020B0609040504020204" pitchFamily="49" charset="0"/>
+              </a:rPr>
+              <a:t>var</a:t>
+            </a:r>
+            <a:r>
+              <a:rPr lang="en-US" sz="2000" dirty="0">
+                <a:solidFill>
+                  <a:schemeClr val="tx1"/>
+                </a:solidFill>
+                <a:latin typeface="Lucida Console" panose="020B0609040504020204" pitchFamily="49" charset="0"/>
+              </a:rPr>
+              <a:t> info = </a:t>
+            </a:r>
+            <a:r>
+              <a:rPr lang="en-US" sz="2000" dirty="0" err="1">
+                <a:solidFill>
+                  <a:schemeClr val="tx1"/>
+                </a:solidFill>
+                <a:latin typeface="Lucida Console" panose="020B0609040504020204" pitchFamily="49" charset="0"/>
+              </a:rPr>
+              <a:t>localStorage.getItem</a:t>
+            </a:r>
+            <a:r>
+              <a:rPr lang="en-US" sz="2000" dirty="0">
+                <a:solidFill>
+                  <a:schemeClr val="tx1"/>
+                </a:solidFill>
+                <a:latin typeface="Lucida Console" panose="020B0609040504020204" pitchFamily="49" charset="0"/>
+              </a:rPr>
+              <a:t>('</a:t>
+            </a:r>
+            <a:r>
+              <a:rPr lang="en-US" sz="2000" dirty="0" err="1">
+                <a:solidFill>
+                  <a:schemeClr val="tx1"/>
+                </a:solidFill>
+                <a:latin typeface="Lucida Console" panose="020B0609040504020204" pitchFamily="49" charset="0"/>
+              </a:rPr>
+              <a:t>user_id</a:t>
+            </a:r>
+            <a:r>
+              <a:rPr lang="en-US" sz="2000" dirty="0">
+                <a:solidFill>
+                  <a:schemeClr val="tx1"/>
+                </a:solidFill>
+                <a:latin typeface="Lucida Console" panose="020B0609040504020204" pitchFamily="49" charset="0"/>
+              </a:rPr>
+              <a:t>_' + </a:t>
+            </a:r>
+            <a:r>
+              <a:rPr lang="en-US" sz="2000" dirty="0" err="1" smtClean="0">
+                <a:solidFill>
+                  <a:schemeClr val="tx1"/>
+                </a:solidFill>
+                <a:latin typeface="Lucida Console" panose="020B0609040504020204" pitchFamily="49" charset="0"/>
+              </a:rPr>
+              <a:t>uid</a:t>
+            </a:r>
+            <a:r>
+              <a:rPr lang="en-US" sz="2000" dirty="0" smtClean="0">
+                <a:solidFill>
+                  <a:schemeClr val="tx1"/>
+                </a:solidFill>
+                <a:latin typeface="Lucida Console" panose="020B0609040504020204" pitchFamily="49" charset="0"/>
+              </a:rPr>
+              <a:t>);</a:t>
+            </a:r>
+          </a:p>
+          <a:p>
+            <a:pPr algn="l"/>
+            <a:r>
+              <a:rPr lang="en-US" sz="2000" dirty="0" smtClean="0">
+                <a:solidFill>
+                  <a:schemeClr val="tx1"/>
+                </a:solidFill>
+                <a:latin typeface="Lucida Console" panose="020B0609040504020204" pitchFamily="49" charset="0"/>
+              </a:rPr>
+              <a:t>if </a:t>
+            </a:r>
+            <a:r>
+              <a:rPr lang="en-US" sz="2000" dirty="0">
+                <a:solidFill>
+                  <a:schemeClr val="tx1"/>
+                </a:solidFill>
+                <a:latin typeface="Lucida Console" panose="020B0609040504020204" pitchFamily="49" charset="0"/>
+              </a:rPr>
+              <a:t>(</a:t>
+            </a:r>
+            <a:r>
+              <a:rPr lang="en-US" sz="2000" dirty="0">
+                <a:solidFill>
+                  <a:srgbClr val="C00000"/>
+                </a:solidFill>
+                <a:latin typeface="Lucida Console" panose="020B0609040504020204" pitchFamily="49" charset="0"/>
+              </a:rPr>
+              <a:t>info</a:t>
+            </a:r>
+            <a:r>
+              <a:rPr lang="en-US" sz="2000" dirty="0">
+                <a:solidFill>
+                  <a:schemeClr val="tx1"/>
+                </a:solidFill>
+                <a:latin typeface="Lucida Console" panose="020B0609040504020204" pitchFamily="49" charset="0"/>
+              </a:rPr>
+              <a:t>) { // </a:t>
+            </a:r>
+            <a:r>
+              <a:rPr lang="ru-RU" sz="2000" dirty="0">
+                <a:solidFill>
+                  <a:schemeClr val="tx1"/>
+                </a:solidFill>
+                <a:latin typeface="Lucida Console" panose="020B0609040504020204" pitchFamily="49" charset="0"/>
+              </a:rPr>
+              <a:t>если есть в </a:t>
+            </a:r>
+            <a:r>
+              <a:rPr lang="en-US" sz="2000" dirty="0" err="1">
+                <a:solidFill>
+                  <a:schemeClr val="tx1"/>
+                </a:solidFill>
+                <a:latin typeface="Lucida Console" panose="020B0609040504020204" pitchFamily="49" charset="0"/>
+              </a:rPr>
+              <a:t>localstorage</a:t>
+            </a:r>
+            <a:endParaRPr lang="en-US" sz="2000" dirty="0">
+              <a:solidFill>
+                <a:schemeClr val="tx1"/>
+              </a:solidFill>
+              <a:latin typeface="Lucida Console" panose="020B0609040504020204" pitchFamily="49" charset="0"/>
+            </a:endParaRPr>
+          </a:p>
+          <a:p>
+            <a:pPr algn="l"/>
+            <a:r>
+              <a:rPr lang="en-US" sz="2000" dirty="0">
                 <a:solidFill>
                   <a:srgbClr val="0088CC"/>
                 </a:solidFill>
                 <a:latin typeface="Lucida Console" panose="020B0609040504020204" pitchFamily="49" charset="0"/>
               </a:rPr>
-              <a:t>Контролирует доступ к исходному объекту. Такие заместители полезны, когда для разных объектов определены различные права доступа</a:t>
-            </a:r>
-            <a:endParaRPr lang="ru-RU" sz="3000" dirty="0">
+              <a:t>// </a:t>
+            </a:r>
+            <a:r>
+              <a:rPr lang="ru-RU" sz="2000" dirty="0">
+                <a:solidFill>
+                  <a:srgbClr val="0088CC"/>
+                </a:solidFill>
+                <a:latin typeface="Lucida Console" panose="020B0609040504020204" pitchFamily="49" charset="0"/>
+              </a:rPr>
+              <a:t>возвращаем информацию о </a:t>
+            </a:r>
+            <a:r>
+              <a:rPr lang="ru-RU" sz="2000" dirty="0" smtClean="0">
+                <a:solidFill>
+                  <a:srgbClr val="0088CC"/>
+                </a:solidFill>
+                <a:latin typeface="Lucida Console" panose="020B0609040504020204" pitchFamily="49" charset="0"/>
+              </a:rPr>
+              <a:t>пользователе</a:t>
+            </a:r>
+            <a:r>
+              <a:rPr lang="en-US" sz="2000" dirty="0" smtClean="0">
+                <a:solidFill>
+                  <a:srgbClr val="0088CC"/>
+                </a:solidFill>
+                <a:latin typeface="Lucida Console" panose="020B0609040504020204" pitchFamily="49" charset="0"/>
+              </a:rPr>
+              <a:t> </a:t>
+            </a:r>
+            <a:r>
+              <a:rPr lang="ru-RU" sz="2000" dirty="0" smtClean="0">
+                <a:solidFill>
+                  <a:srgbClr val="0088CC"/>
+                </a:solidFill>
+                <a:latin typeface="Lucida Console" panose="020B0609040504020204" pitchFamily="49" charset="0"/>
+              </a:rPr>
+              <a:t>из кэша</a:t>
+            </a:r>
+            <a:endParaRPr lang="ru-RU" sz="2000" dirty="0">
               <a:solidFill>
                 <a:srgbClr val="0088CC"/>
               </a:solidFill>
               <a:latin typeface="Lucida Console" panose="020B0609040504020204" pitchFamily="49" charset="0"/>
             </a:endParaRPr>
           </a:p>
+          <a:p>
+            <a:pPr algn="l"/>
+            <a:r>
+              <a:rPr lang="ru-RU" sz="2000" dirty="0">
+                <a:solidFill>
+                  <a:schemeClr val="tx1"/>
+                </a:solidFill>
+                <a:latin typeface="Lucida Console" panose="020B0609040504020204" pitchFamily="49" charset="0"/>
+              </a:rPr>
+              <a:t>  </a:t>
+            </a:r>
+            <a:r>
+              <a:rPr lang="en-US" sz="2000" dirty="0">
+                <a:solidFill>
+                  <a:schemeClr val="tx1"/>
+                </a:solidFill>
+                <a:latin typeface="Lucida Console" panose="020B0609040504020204" pitchFamily="49" charset="0"/>
+              </a:rPr>
+              <a:t>return </a:t>
+            </a:r>
+            <a:r>
+              <a:rPr lang="en-US" sz="2000" dirty="0">
+                <a:solidFill>
+                  <a:srgbClr val="C00000"/>
+                </a:solidFill>
+                <a:latin typeface="Lucida Console" panose="020B0609040504020204" pitchFamily="49" charset="0"/>
+              </a:rPr>
+              <a:t>info</a:t>
+            </a:r>
+            <a:r>
+              <a:rPr lang="en-US" sz="2000" dirty="0">
+                <a:solidFill>
+                  <a:schemeClr val="tx1"/>
+                </a:solidFill>
+                <a:latin typeface="Lucida Console" panose="020B0609040504020204" pitchFamily="49" charset="0"/>
+              </a:rPr>
+              <a:t>;</a:t>
+            </a:r>
+          </a:p>
+          <a:p>
+            <a:pPr algn="l"/>
+            <a:r>
+              <a:rPr lang="en-US" sz="2000" dirty="0">
+                <a:solidFill>
+                  <a:schemeClr val="tx1"/>
+                </a:solidFill>
+                <a:latin typeface="Lucida Console" panose="020B0609040504020204" pitchFamily="49" charset="0"/>
+              </a:rPr>
+              <a:t>}</a:t>
+            </a:r>
+          </a:p>
+          <a:p>
+            <a:pPr algn="l"/>
+            <a:r>
+              <a:rPr lang="en-US" sz="2000" dirty="0">
+                <a:solidFill>
+                  <a:srgbClr val="0088CC"/>
+                </a:solidFill>
+                <a:latin typeface="Lucida Console" panose="020B0609040504020204" pitchFamily="49" charset="0"/>
+              </a:rPr>
+              <a:t>// </a:t>
+            </a:r>
+            <a:r>
+              <a:rPr lang="ru-RU" sz="2000" dirty="0">
+                <a:solidFill>
+                  <a:srgbClr val="0088CC"/>
+                </a:solidFill>
+                <a:latin typeface="Lucida Console" panose="020B0609040504020204" pitchFamily="49" charset="0"/>
+              </a:rPr>
+              <a:t>запрос в БД идет только в том случае, если нет кэша</a:t>
+            </a:r>
+          </a:p>
+          <a:p>
+            <a:pPr algn="l"/>
+            <a:r>
+              <a:rPr lang="ru-RU" sz="2000" dirty="0">
+                <a:solidFill>
+                  <a:schemeClr val="tx1"/>
+                </a:solidFill>
+                <a:latin typeface="Lucida Console" panose="020B0609040504020204" pitchFamily="49" charset="0"/>
+              </a:rPr>
+              <a:t>$.</a:t>
+            </a:r>
+            <a:r>
+              <a:rPr lang="en-US" sz="2000" dirty="0">
+                <a:solidFill>
+                  <a:schemeClr val="tx1"/>
+                </a:solidFill>
+                <a:latin typeface="Lucida Console" panose="020B0609040504020204" pitchFamily="49" charset="0"/>
+              </a:rPr>
+              <a:t>ajax({/*some </a:t>
+            </a:r>
+            <a:r>
+              <a:rPr lang="en-US" sz="2000" dirty="0" err="1">
+                <a:solidFill>
+                  <a:schemeClr val="tx1"/>
+                </a:solidFill>
+                <a:latin typeface="Lucida Console" panose="020B0609040504020204" pitchFamily="49" charset="0"/>
+              </a:rPr>
+              <a:t>config</a:t>
+            </a:r>
+            <a:r>
+              <a:rPr lang="en-US" sz="2000" dirty="0">
+                <a:solidFill>
+                  <a:schemeClr val="tx1"/>
+                </a:solidFill>
+                <a:latin typeface="Lucida Console" panose="020B0609040504020204" pitchFamily="49" charset="0"/>
+              </a:rPr>
+              <a:t>*/, success: function(data) {</a:t>
+            </a:r>
+          </a:p>
+          <a:p>
+            <a:pPr algn="l"/>
+            <a:r>
+              <a:rPr lang="en-US" sz="2000" dirty="0">
+                <a:solidFill>
+                  <a:schemeClr val="tx1"/>
+                </a:solidFill>
+                <a:latin typeface="Lucida Console" panose="020B0609040504020204" pitchFamily="49" charset="0"/>
+              </a:rPr>
+              <a:t>                        </a:t>
+            </a:r>
+            <a:r>
+              <a:rPr lang="en-US" sz="2000" dirty="0">
+                <a:solidFill>
+                  <a:srgbClr val="C00000"/>
+                </a:solidFill>
+                <a:latin typeface="Lucida Console" panose="020B0609040504020204" pitchFamily="49" charset="0"/>
+              </a:rPr>
+              <a:t>info</a:t>
+            </a:r>
+            <a:r>
+              <a:rPr lang="en-US" sz="2000" dirty="0">
+                <a:solidFill>
+                  <a:schemeClr val="tx1"/>
+                </a:solidFill>
+                <a:latin typeface="Lucida Console" panose="020B0609040504020204" pitchFamily="49" charset="0"/>
+              </a:rPr>
+              <a:t> = </a:t>
+            </a:r>
+            <a:r>
+              <a:rPr lang="en-US" sz="2000" dirty="0" err="1">
+                <a:solidFill>
+                  <a:schemeClr val="tx1"/>
+                </a:solidFill>
+                <a:latin typeface="Lucida Console" panose="020B0609040504020204" pitchFamily="49" charset="0"/>
+              </a:rPr>
+              <a:t>JSON.stringify</a:t>
+            </a:r>
+            <a:r>
+              <a:rPr lang="en-US" sz="2000" dirty="0">
+                <a:solidFill>
+                  <a:schemeClr val="tx1"/>
+                </a:solidFill>
+                <a:latin typeface="Lucida Console" panose="020B0609040504020204" pitchFamily="49" charset="0"/>
+              </a:rPr>
+              <a:t>(data);</a:t>
+            </a:r>
+          </a:p>
+          <a:p>
+            <a:pPr algn="l"/>
+            <a:r>
+              <a:rPr lang="en-US" sz="2000" dirty="0">
+                <a:solidFill>
+                  <a:schemeClr val="tx1"/>
+                </a:solidFill>
+                <a:latin typeface="Lucida Console" panose="020B0609040504020204" pitchFamily="49" charset="0"/>
+              </a:rPr>
+              <a:t>// </a:t>
+            </a:r>
+            <a:r>
+              <a:rPr lang="ru-RU" sz="2000" dirty="0">
+                <a:solidFill>
+                  <a:schemeClr val="tx1"/>
+                </a:solidFill>
+                <a:latin typeface="Lucida Console" panose="020B0609040504020204" pitchFamily="49" charset="0"/>
+              </a:rPr>
+              <a:t>кэшируем полученную информацию в </a:t>
+            </a:r>
+            <a:r>
+              <a:rPr lang="en-US" sz="2000" dirty="0" err="1">
+                <a:solidFill>
+                  <a:schemeClr val="tx1"/>
+                </a:solidFill>
+                <a:latin typeface="Lucida Console" panose="020B0609040504020204" pitchFamily="49" charset="0"/>
+              </a:rPr>
+              <a:t>localStorage</a:t>
+            </a:r>
+            <a:endParaRPr lang="en-US" sz="2000" dirty="0">
+              <a:solidFill>
+                <a:schemeClr val="tx1"/>
+              </a:solidFill>
+              <a:latin typeface="Lucida Console" panose="020B0609040504020204" pitchFamily="49" charset="0"/>
+            </a:endParaRPr>
+          </a:p>
+          <a:p>
+            <a:pPr algn="l"/>
+            <a:r>
+              <a:rPr lang="en-US" sz="2000" dirty="0">
+                <a:solidFill>
+                  <a:schemeClr val="tx1"/>
+                </a:solidFill>
+                <a:latin typeface="Lucida Console" panose="020B0609040504020204" pitchFamily="49" charset="0"/>
+              </a:rPr>
+              <a:t>                        </a:t>
+            </a:r>
+            <a:r>
+              <a:rPr lang="en-US" sz="2000" dirty="0" err="1">
+                <a:solidFill>
+                  <a:schemeClr val="tx1"/>
+                </a:solidFill>
+                <a:latin typeface="Lucida Console" panose="020B0609040504020204" pitchFamily="49" charset="0"/>
+              </a:rPr>
+              <a:t>tmp_this.cacheUserInfo</a:t>
+            </a:r>
+            <a:r>
+              <a:rPr lang="en-US" sz="2000" dirty="0">
+                <a:solidFill>
+                  <a:schemeClr val="tx1"/>
+                </a:solidFill>
+                <a:latin typeface="Lucida Console" panose="020B0609040504020204" pitchFamily="49" charset="0"/>
+              </a:rPr>
+              <a:t>(data.id, info);</a:t>
+            </a:r>
+          </a:p>
+          <a:p>
+            <a:pPr algn="l"/>
+            <a:r>
+              <a:rPr lang="en-US" sz="2000" dirty="0">
+                <a:solidFill>
+                  <a:schemeClr val="tx1"/>
+                </a:solidFill>
+                <a:latin typeface="Lucida Console" panose="020B0609040504020204" pitchFamily="49" charset="0"/>
+              </a:rPr>
+              <a:t>                        return </a:t>
+            </a:r>
+            <a:r>
+              <a:rPr lang="en-US" sz="2000" dirty="0">
+                <a:solidFill>
+                  <a:srgbClr val="C00000"/>
+                </a:solidFill>
+                <a:latin typeface="Lucida Console" panose="020B0609040504020204" pitchFamily="49" charset="0"/>
+              </a:rPr>
+              <a:t>info</a:t>
+            </a:r>
+            <a:r>
+              <a:rPr lang="en-US" sz="2000" dirty="0">
+                <a:solidFill>
+                  <a:schemeClr val="tx1"/>
+                </a:solidFill>
+                <a:latin typeface="Lucida Console" panose="020B0609040504020204" pitchFamily="49" charset="0"/>
+              </a:rPr>
+              <a:t>;</a:t>
+            </a:r>
+          </a:p>
+          <a:p>
+            <a:pPr algn="l"/>
+            <a:r>
+              <a:rPr lang="en-US" sz="2000" dirty="0">
+                <a:solidFill>
+                  <a:schemeClr val="tx1"/>
+                </a:solidFill>
+                <a:latin typeface="Lucida Console" panose="020B0609040504020204" pitchFamily="49" charset="0"/>
+              </a:rPr>
+              <a:t>                      }</a:t>
+            </a:r>
+          </a:p>
+          <a:p>
+            <a:pPr algn="l"/>
+            <a:r>
+              <a:rPr lang="en-US" sz="2000" dirty="0">
+                <a:solidFill>
+                  <a:schemeClr val="tx1"/>
+                </a:solidFill>
+                <a:latin typeface="Lucida Console" panose="020B0609040504020204" pitchFamily="49" charset="0"/>
+              </a:rPr>
+              <a:t>                    });</a:t>
+            </a:r>
+          </a:p>
+          <a:p>
+            <a:pPr algn="l"/>
+            <a:r>
+              <a:rPr lang="en-US" sz="2000" dirty="0">
+                <a:solidFill>
+                  <a:schemeClr val="tx1"/>
+                </a:solidFill>
+                <a:latin typeface="Lucida Console" panose="020B0609040504020204" pitchFamily="49" charset="0"/>
+              </a:rPr>
+              <a:t>                  },</a:t>
+            </a:r>
+          </a:p>
         </p:txBody>
       </p:sp>
     </p:spTree>
     <p:extLst>
       <p:ext uri="{BB962C8B-B14F-4D97-AF65-F5344CB8AC3E}">
-        <p14:creationId xmlns:p14="http://schemas.microsoft.com/office/powerpoint/2010/main" val="2748188987"/>
+        <p14:creationId xmlns:p14="http://schemas.microsoft.com/office/powerpoint/2010/main" val="3871982651"/>
       </p:ext>
     </p:extLst>
   </p:cSld>
